--- a/figures/Elevel_diagram.pptx
+++ b/figures/Elevel_diagram.pptx
@@ -8,8 +8,9 @@
     <p:sldId id="256" r:id="rId2"/>
     <p:sldId id="258" r:id="rId3"/>
     <p:sldId id="259" r:id="rId4"/>
-    <p:sldId id="257" r:id="rId5"/>
-    <p:sldId id="260" r:id="rId6"/>
+    <p:sldId id="261" r:id="rId5"/>
+    <p:sldId id="257" r:id="rId6"/>
+    <p:sldId id="260" r:id="rId7"/>
   </p:sldIdLst>
   <p:sldSz cx="9144000" cy="6858000" type="screen4x3"/>
   <p:notesSz cx="6858000" cy="9144000"/>
@@ -292,7 +293,7 @@
           <a:p>
             <a:fld id="{804C2FFF-BA3C-4A92-945F-654DA3D1A6C3}" type="datetimeFigureOut">
               <a:rPr lang="en-US" smtClean="0"/>
-              <a:t>11/2/2015</a:t>
+              <a:t>11/22/2015</a:t>
             </a:fld>
             <a:endParaRPr lang="en-US"/>
           </a:p>
@@ -462,7 +463,7 @@
           <a:p>
             <a:fld id="{804C2FFF-BA3C-4A92-945F-654DA3D1A6C3}" type="datetimeFigureOut">
               <a:rPr lang="en-US" smtClean="0"/>
-              <a:t>11/2/2015</a:t>
+              <a:t>11/22/2015</a:t>
             </a:fld>
             <a:endParaRPr lang="en-US"/>
           </a:p>
@@ -642,7 +643,7 @@
           <a:p>
             <a:fld id="{804C2FFF-BA3C-4A92-945F-654DA3D1A6C3}" type="datetimeFigureOut">
               <a:rPr lang="en-US" smtClean="0"/>
-              <a:t>11/2/2015</a:t>
+              <a:t>11/22/2015</a:t>
             </a:fld>
             <a:endParaRPr lang="en-US"/>
           </a:p>
@@ -812,7 +813,7 @@
           <a:p>
             <a:fld id="{804C2FFF-BA3C-4A92-945F-654DA3D1A6C3}" type="datetimeFigureOut">
               <a:rPr lang="en-US" smtClean="0"/>
-              <a:t>11/2/2015</a:t>
+              <a:t>11/22/2015</a:t>
             </a:fld>
             <a:endParaRPr lang="en-US"/>
           </a:p>
@@ -1058,7 +1059,7 @@
           <a:p>
             <a:fld id="{804C2FFF-BA3C-4A92-945F-654DA3D1A6C3}" type="datetimeFigureOut">
               <a:rPr lang="en-US" smtClean="0"/>
-              <a:t>11/2/2015</a:t>
+              <a:t>11/22/2015</a:t>
             </a:fld>
             <a:endParaRPr lang="en-US"/>
           </a:p>
@@ -1346,7 +1347,7 @@
           <a:p>
             <a:fld id="{804C2FFF-BA3C-4A92-945F-654DA3D1A6C3}" type="datetimeFigureOut">
               <a:rPr lang="en-US" smtClean="0"/>
-              <a:t>11/2/2015</a:t>
+              <a:t>11/22/2015</a:t>
             </a:fld>
             <a:endParaRPr lang="en-US"/>
           </a:p>
@@ -1768,7 +1769,7 @@
           <a:p>
             <a:fld id="{804C2FFF-BA3C-4A92-945F-654DA3D1A6C3}" type="datetimeFigureOut">
               <a:rPr lang="en-US" smtClean="0"/>
-              <a:t>11/2/2015</a:t>
+              <a:t>11/22/2015</a:t>
             </a:fld>
             <a:endParaRPr lang="en-US"/>
           </a:p>
@@ -1886,7 +1887,7 @@
           <a:p>
             <a:fld id="{804C2FFF-BA3C-4A92-945F-654DA3D1A6C3}" type="datetimeFigureOut">
               <a:rPr lang="en-US" smtClean="0"/>
-              <a:t>11/2/2015</a:t>
+              <a:t>11/22/2015</a:t>
             </a:fld>
             <a:endParaRPr lang="en-US"/>
           </a:p>
@@ -1981,7 +1982,7 @@
           <a:p>
             <a:fld id="{804C2FFF-BA3C-4A92-945F-654DA3D1A6C3}" type="datetimeFigureOut">
               <a:rPr lang="en-US" smtClean="0"/>
-              <a:t>11/2/2015</a:t>
+              <a:t>11/22/2015</a:t>
             </a:fld>
             <a:endParaRPr lang="en-US"/>
           </a:p>
@@ -2258,7 +2259,7 @@
           <a:p>
             <a:fld id="{804C2FFF-BA3C-4A92-945F-654DA3D1A6C3}" type="datetimeFigureOut">
               <a:rPr lang="en-US" smtClean="0"/>
-              <a:t>11/2/2015</a:t>
+              <a:t>11/22/2015</a:t>
             </a:fld>
             <a:endParaRPr lang="en-US"/>
           </a:p>
@@ -2511,7 +2512,7 @@
           <a:p>
             <a:fld id="{804C2FFF-BA3C-4A92-945F-654DA3D1A6C3}" type="datetimeFigureOut">
               <a:rPr lang="en-US" smtClean="0"/>
-              <a:t>11/2/2015</a:t>
+              <a:t>11/22/2015</a:t>
             </a:fld>
             <a:endParaRPr lang="en-US"/>
           </a:p>
@@ -2724,7 +2725,7 @@
           <a:p>
             <a:fld id="{804C2FFF-BA3C-4A92-945F-654DA3D1A6C3}" type="datetimeFigureOut">
               <a:rPr lang="en-US" smtClean="0"/>
-              <a:t>11/2/2015</a:t>
+              <a:t>11/22/2015</a:t>
             </a:fld>
             <a:endParaRPr lang="en-US"/>
           </a:p>
@@ -4647,6 +4648,13 @@
   <p:clrMapOvr>
     <a:masterClrMapping/>
   </p:clrMapOvr>
+  <p:timing>
+    <p:tnLst>
+      <p:par>
+        <p:cTn id="1" dur="indefinite" restart="never" nodeType="tmRoot"/>
+      </p:par>
+    </p:tnLst>
+  </p:timing>
 </p:sld>
 </file>
 
@@ -5663,6 +5671,13 @@
   <p:clrMapOvr>
     <a:masterClrMapping/>
   </p:clrMapOvr>
+  <p:timing>
+    <p:tnLst>
+      <p:par>
+        <p:cTn id="1" dur="indefinite" restart="never" nodeType="tmRoot"/>
+      </p:par>
+    </p:tnLst>
+  </p:timing>
 </p:sld>
 </file>
 
@@ -7108,7 +7123,7 @@
         </p:nvSpPr>
         <p:spPr>
           <a:xfrm>
-            <a:off x="2094029" y="4631323"/>
+            <a:off x="3745239" y="5410200"/>
             <a:ext cx="970137" cy="338554"/>
           </a:xfrm>
           <a:prstGeom prst="rect">
@@ -7241,6 +7256,84 @@
                 <a:schemeClr val="bg1">
                   <a:lumMod val="50000"/>
                 </a:schemeClr>
+              </a:solidFill>
+            </a:endParaRPr>
+          </a:p>
+        </p:txBody>
+      </p:sp>
+      <p:cxnSp>
+        <p:nvCxnSpPr>
+          <p:cNvPr id="41" name="Straight Arrow Connector 40"/>
+          <p:cNvCxnSpPr/>
+          <p:nvPr/>
+        </p:nvCxnSpPr>
+        <p:spPr>
+          <a:xfrm>
+            <a:off x="2667000" y="3733800"/>
+            <a:ext cx="0" cy="2438400"/>
+          </a:xfrm>
+          <a:prstGeom prst="straightConnector1">
+            <a:avLst/>
+          </a:prstGeom>
+          <a:ln w="28575">
+            <a:solidFill>
+              <a:srgbClr val="CC0000"/>
+            </a:solidFill>
+            <a:prstDash val="solid"/>
+            <a:headEnd type="none" w="med" len="med"/>
+            <a:tailEnd type="triangle" w="med" len="med"/>
+          </a:ln>
+        </p:spPr>
+        <p:style>
+          <a:lnRef idx="1">
+            <a:schemeClr val="accent1"/>
+          </a:lnRef>
+          <a:fillRef idx="0">
+            <a:schemeClr val="accent1"/>
+          </a:fillRef>
+          <a:effectRef idx="0">
+            <a:schemeClr val="accent1"/>
+          </a:effectRef>
+          <a:fontRef idx="minor">
+            <a:schemeClr val="tx1"/>
+          </a:fontRef>
+        </p:style>
+      </p:cxnSp>
+      <p:sp>
+        <p:nvSpPr>
+          <p:cNvPr id="43" name="TextBox 42"/>
+          <p:cNvSpPr txBox="1"/>
+          <p:nvPr/>
+        </p:nvSpPr>
+        <p:spPr>
+          <a:xfrm>
+            <a:off x="1308331" y="4800600"/>
+            <a:ext cx="970137" cy="338554"/>
+          </a:xfrm>
+          <a:prstGeom prst="rect">
+            <a:avLst/>
+          </a:prstGeom>
+          <a:solidFill>
+            <a:schemeClr val="bg1"/>
+          </a:solidFill>
+        </p:spPr>
+        <p:txBody>
+          <a:bodyPr wrap="none" rtlCol="0">
+            <a:spAutoFit/>
+          </a:bodyPr>
+          <a:lstStyle/>
+          <a:p>
+            <a:r>
+              <a:rPr lang="en-US" sz="1600" dirty="0" smtClean="0">
+                <a:solidFill>
+                  <a:srgbClr val="CC0000"/>
+                </a:solidFill>
+              </a:rPr>
+              <a:t>791.1 nm</a:t>
+            </a:r>
+            <a:endParaRPr lang="en-US" sz="1600" dirty="0">
+              <a:solidFill>
+                <a:srgbClr val="CC0000"/>
               </a:solidFill>
             </a:endParaRPr>
           </a:p>
@@ -7256,6 +7349,13 @@
   <p:clrMapOvr>
     <a:masterClrMapping/>
   </p:clrMapOvr>
+  <p:timing>
+    <p:tnLst>
+      <p:par>
+        <p:cTn id="1" dur="indefinite" restart="never" nodeType="tmRoot"/>
+      </p:par>
+    </p:tnLst>
+  </p:timing>
 </p:sld>
 </file>
 
@@ -7276,16 +7376,493 @@
           <a:chExt cx="0" cy="0"/>
         </a:xfrm>
       </p:grpSpPr>
-      <p:sp>
-        <p:nvSpPr>
-          <p:cNvPr id="2" name="TextBox 1"/>
+      <p:cxnSp>
+        <p:nvCxnSpPr>
+          <p:cNvPr id="8" name="Straight Connector 7"/>
+          <p:cNvCxnSpPr/>
+          <p:nvPr/>
+        </p:nvCxnSpPr>
+        <p:spPr>
+          <a:xfrm>
+            <a:off x="3352800" y="5143500"/>
+            <a:ext cx="1219200" cy="0"/>
+          </a:xfrm>
+          <a:prstGeom prst="line">
+            <a:avLst/>
+          </a:prstGeom>
+          <a:ln w="28575">
+            <a:solidFill>
+              <a:schemeClr val="tx1"/>
+            </a:solidFill>
+          </a:ln>
+        </p:spPr>
+        <p:style>
+          <a:lnRef idx="1">
+            <a:schemeClr val="accent1"/>
+          </a:lnRef>
+          <a:fillRef idx="0">
+            <a:schemeClr val="accent1"/>
+          </a:fillRef>
+          <a:effectRef idx="0">
+            <a:schemeClr val="accent1"/>
+          </a:effectRef>
+          <a:fontRef idx="minor">
+            <a:schemeClr val="tx1"/>
+          </a:fontRef>
+        </p:style>
+      </p:cxnSp>
+      <p:cxnSp>
+        <p:nvCxnSpPr>
+          <p:cNvPr id="9" name="Straight Connector 8"/>
+          <p:cNvCxnSpPr/>
+          <p:nvPr/>
+        </p:nvCxnSpPr>
+        <p:spPr>
+          <a:xfrm>
+            <a:off x="3352800" y="5257800"/>
+            <a:ext cx="1219200" cy="0"/>
+          </a:xfrm>
+          <a:prstGeom prst="line">
+            <a:avLst/>
+          </a:prstGeom>
+          <a:ln w="28575">
+            <a:solidFill>
+              <a:schemeClr val="tx1"/>
+            </a:solidFill>
+          </a:ln>
+        </p:spPr>
+        <p:style>
+          <a:lnRef idx="1">
+            <a:schemeClr val="accent1"/>
+          </a:lnRef>
+          <a:fillRef idx="0">
+            <a:schemeClr val="accent1"/>
+          </a:fillRef>
+          <a:effectRef idx="0">
+            <a:schemeClr val="accent1"/>
+          </a:effectRef>
+          <a:fontRef idx="minor">
+            <a:schemeClr val="tx1"/>
+          </a:fontRef>
+        </p:style>
+      </p:cxnSp>
+      <p:cxnSp>
+        <p:nvCxnSpPr>
+          <p:cNvPr id="10" name="Straight Connector 9"/>
+          <p:cNvCxnSpPr/>
+          <p:nvPr/>
+        </p:nvCxnSpPr>
+        <p:spPr>
+          <a:xfrm>
+            <a:off x="3352800" y="5020962"/>
+            <a:ext cx="1219200" cy="0"/>
+          </a:xfrm>
+          <a:prstGeom prst="line">
+            <a:avLst/>
+          </a:prstGeom>
+          <a:ln w="28575">
+            <a:solidFill>
+              <a:schemeClr val="tx1"/>
+            </a:solidFill>
+          </a:ln>
+        </p:spPr>
+        <p:style>
+          <a:lnRef idx="1">
+            <a:schemeClr val="accent1"/>
+          </a:lnRef>
+          <a:fillRef idx="0">
+            <a:schemeClr val="accent1"/>
+          </a:fillRef>
+          <a:effectRef idx="0">
+            <a:schemeClr val="accent1"/>
+          </a:effectRef>
+          <a:fontRef idx="minor">
+            <a:schemeClr val="tx1"/>
+          </a:fontRef>
+        </p:style>
+      </p:cxnSp>
+      <p:cxnSp>
+        <p:nvCxnSpPr>
+          <p:cNvPr id="12" name="Straight Arrow Connector 11"/>
+          <p:cNvCxnSpPr/>
+          <p:nvPr/>
+        </p:nvCxnSpPr>
+        <p:spPr>
+          <a:xfrm>
+            <a:off x="3448050" y="4000499"/>
+            <a:ext cx="0" cy="973096"/>
+          </a:xfrm>
+          <a:prstGeom prst="straightConnector1">
+            <a:avLst/>
+          </a:prstGeom>
+          <a:ln w="38100">
+            <a:solidFill>
+              <a:srgbClr val="800000"/>
+            </a:solidFill>
+            <a:prstDash val="solid"/>
+            <a:headEnd type="none" w="med" len="med"/>
+            <a:tailEnd type="triangle" w="med" len="med"/>
+          </a:ln>
+        </p:spPr>
+        <p:style>
+          <a:lnRef idx="1">
+            <a:schemeClr val="accent1"/>
+          </a:lnRef>
+          <a:fillRef idx="0">
+            <a:schemeClr val="accent1"/>
+          </a:fillRef>
+          <a:effectRef idx="0">
+            <a:schemeClr val="accent1"/>
+          </a:effectRef>
+          <a:fontRef idx="minor">
+            <a:schemeClr val="tx1"/>
+          </a:fontRef>
+        </p:style>
+      </p:cxnSp>
+      <p:cxnSp>
+        <p:nvCxnSpPr>
+          <p:cNvPr id="17" name="Straight Connector 16"/>
+          <p:cNvCxnSpPr/>
+          <p:nvPr/>
+        </p:nvCxnSpPr>
+        <p:spPr>
+          <a:xfrm>
+            <a:off x="2743200" y="6355492"/>
+            <a:ext cx="1828800" cy="0"/>
+          </a:xfrm>
+          <a:prstGeom prst="line">
+            <a:avLst/>
+          </a:prstGeom>
+          <a:ln w="28575">
+            <a:solidFill>
+              <a:schemeClr val="tx1"/>
+            </a:solidFill>
+          </a:ln>
+        </p:spPr>
+        <p:style>
+          <a:lnRef idx="1">
+            <a:schemeClr val="accent1"/>
+          </a:lnRef>
+          <a:fillRef idx="0">
+            <a:schemeClr val="accent1"/>
+          </a:fillRef>
+          <a:effectRef idx="0">
+            <a:schemeClr val="accent1"/>
+          </a:effectRef>
+          <a:fontRef idx="minor">
+            <a:schemeClr val="tx1"/>
+          </a:fontRef>
+        </p:style>
+      </p:cxnSp>
+      <p:cxnSp>
+        <p:nvCxnSpPr>
+          <p:cNvPr id="18" name="Straight Arrow Connector 17"/>
+          <p:cNvCxnSpPr/>
+          <p:nvPr/>
+        </p:nvCxnSpPr>
+        <p:spPr>
+          <a:xfrm flipV="1">
+            <a:off x="2819400" y="4038600"/>
+            <a:ext cx="0" cy="2269525"/>
+          </a:xfrm>
+          <a:prstGeom prst="straightConnector1">
+            <a:avLst/>
+          </a:prstGeom>
+          <a:ln w="38100">
+            <a:solidFill>
+              <a:srgbClr val="008000"/>
+            </a:solidFill>
+            <a:headEnd type="none" w="med" len="med"/>
+            <a:tailEnd type="triangle" w="med" len="med"/>
+          </a:ln>
+        </p:spPr>
+        <p:style>
+          <a:lnRef idx="1">
+            <a:schemeClr val="accent1"/>
+          </a:lnRef>
+          <a:fillRef idx="0">
+            <a:schemeClr val="accent1"/>
+          </a:fillRef>
+          <a:effectRef idx="0">
+            <a:schemeClr val="accent1"/>
+          </a:effectRef>
+          <a:fontRef idx="minor">
+            <a:schemeClr val="tx1"/>
+          </a:fontRef>
+        </p:style>
+      </p:cxnSp>
+      <p:cxnSp>
+        <p:nvCxnSpPr>
+          <p:cNvPr id="22" name="Straight Arrow Connector 21"/>
+          <p:cNvCxnSpPr/>
+          <p:nvPr/>
+        </p:nvCxnSpPr>
+        <p:spPr>
+          <a:xfrm flipV="1">
+            <a:off x="2969741" y="4038600"/>
+            <a:ext cx="0" cy="2269525"/>
+          </a:xfrm>
+          <a:prstGeom prst="straightConnector1">
+            <a:avLst/>
+          </a:prstGeom>
+          <a:ln w="38100">
+            <a:solidFill>
+              <a:schemeClr val="accent1"/>
+            </a:solidFill>
+            <a:headEnd type="triangle" w="med" len="med"/>
+            <a:tailEnd type="none" w="med" len="med"/>
+          </a:ln>
+        </p:spPr>
+        <p:style>
+          <a:lnRef idx="1">
+            <a:schemeClr val="accent1"/>
+          </a:lnRef>
+          <a:fillRef idx="0">
+            <a:schemeClr val="accent1"/>
+          </a:fillRef>
+          <a:effectRef idx="0">
+            <a:schemeClr val="accent1"/>
+          </a:effectRef>
+          <a:fontRef idx="minor">
+            <a:schemeClr val="tx1"/>
+          </a:fontRef>
+        </p:style>
+      </p:cxnSp>
+      <p:cxnSp>
+        <p:nvCxnSpPr>
+          <p:cNvPr id="24" name="Straight Arrow Connector 23"/>
+          <p:cNvCxnSpPr/>
+          <p:nvPr/>
+        </p:nvCxnSpPr>
+        <p:spPr>
+          <a:xfrm>
+            <a:off x="3588694" y="4000499"/>
+            <a:ext cx="0" cy="1143001"/>
+          </a:xfrm>
+          <a:prstGeom prst="straightConnector1">
+            <a:avLst/>
+          </a:prstGeom>
+          <a:ln w="38100">
+            <a:solidFill>
+              <a:srgbClr val="800000"/>
+            </a:solidFill>
+            <a:prstDash val="solid"/>
+            <a:headEnd type="none" w="med" len="med"/>
+            <a:tailEnd type="triangle" w="med" len="med"/>
+          </a:ln>
+        </p:spPr>
+        <p:style>
+          <a:lnRef idx="1">
+            <a:schemeClr val="accent1"/>
+          </a:lnRef>
+          <a:fillRef idx="0">
+            <a:schemeClr val="accent1"/>
+          </a:fillRef>
+          <a:effectRef idx="0">
+            <a:schemeClr val="accent1"/>
+          </a:effectRef>
+          <a:fontRef idx="minor">
+            <a:schemeClr val="tx1"/>
+          </a:fontRef>
+        </p:style>
+      </p:cxnSp>
+      <p:cxnSp>
+        <p:nvCxnSpPr>
+          <p:cNvPr id="25" name="Straight Arrow Connector 24"/>
+          <p:cNvCxnSpPr/>
+          <p:nvPr/>
+        </p:nvCxnSpPr>
+        <p:spPr>
+          <a:xfrm>
+            <a:off x="3738262" y="4000499"/>
+            <a:ext cx="0" cy="1257301"/>
+          </a:xfrm>
+          <a:prstGeom prst="straightConnector1">
+            <a:avLst/>
+          </a:prstGeom>
+          <a:ln w="38100">
+            <a:solidFill>
+              <a:srgbClr val="800000"/>
+            </a:solidFill>
+            <a:prstDash val="solid"/>
+            <a:headEnd type="none" w="med" len="med"/>
+            <a:tailEnd type="triangle" w="med" len="med"/>
+          </a:ln>
+        </p:spPr>
+        <p:style>
+          <a:lnRef idx="1">
+            <a:schemeClr val="accent1"/>
+          </a:lnRef>
+          <a:fillRef idx="0">
+            <a:schemeClr val="accent1"/>
+          </a:fillRef>
+          <a:effectRef idx="0">
+            <a:schemeClr val="accent1"/>
+          </a:effectRef>
+          <a:fontRef idx="minor">
+            <a:schemeClr val="tx1"/>
+          </a:fontRef>
+        </p:style>
+      </p:cxnSp>
+      <p:cxnSp>
+        <p:nvCxnSpPr>
+          <p:cNvPr id="28" name="Straight Arrow Connector 27"/>
+          <p:cNvCxnSpPr/>
+          <p:nvPr/>
+        </p:nvCxnSpPr>
+        <p:spPr>
+          <a:xfrm>
+            <a:off x="4108229" y="5257800"/>
+            <a:ext cx="0" cy="1097692"/>
+          </a:xfrm>
+          <a:prstGeom prst="straightConnector1">
+            <a:avLst/>
+          </a:prstGeom>
+          <a:ln w="38100">
+            <a:solidFill>
+              <a:srgbClr val="FF6600"/>
+            </a:solidFill>
+            <a:prstDash val="solid"/>
+            <a:headEnd type="none" w="med" len="med"/>
+            <a:tailEnd type="triangle" w="med" len="med"/>
+          </a:ln>
+        </p:spPr>
+        <p:style>
+          <a:lnRef idx="1">
+            <a:schemeClr val="accent1"/>
+          </a:lnRef>
+          <a:fillRef idx="0">
+            <a:schemeClr val="accent1"/>
+          </a:fillRef>
+          <a:effectRef idx="0">
+            <a:schemeClr val="accent1"/>
+          </a:effectRef>
+          <a:fontRef idx="minor">
+            <a:schemeClr val="tx1"/>
+          </a:fontRef>
+        </p:style>
+      </p:cxnSp>
+      <p:cxnSp>
+        <p:nvCxnSpPr>
+          <p:cNvPr id="29" name="Straight Arrow Connector 28"/>
+          <p:cNvCxnSpPr/>
+          <p:nvPr/>
+        </p:nvCxnSpPr>
+        <p:spPr>
+          <a:xfrm>
+            <a:off x="4263240" y="5143500"/>
+            <a:ext cx="0" cy="1219200"/>
+          </a:xfrm>
+          <a:prstGeom prst="straightConnector1">
+            <a:avLst/>
+          </a:prstGeom>
+          <a:ln w="38100">
+            <a:solidFill>
+              <a:srgbClr val="FF6600"/>
+            </a:solidFill>
+            <a:prstDash val="solid"/>
+            <a:headEnd type="none" w="med" len="med"/>
+            <a:tailEnd type="triangle" w="med" len="med"/>
+          </a:ln>
+        </p:spPr>
+        <p:style>
+          <a:lnRef idx="1">
+            <a:schemeClr val="accent1"/>
+          </a:lnRef>
+          <a:fillRef idx="0">
+            <a:schemeClr val="accent1"/>
+          </a:fillRef>
+          <a:effectRef idx="0">
+            <a:schemeClr val="accent1"/>
+          </a:effectRef>
+          <a:fontRef idx="minor">
+            <a:schemeClr val="tx1"/>
+          </a:fontRef>
+        </p:style>
+      </p:cxnSp>
+      <p:cxnSp>
+        <p:nvCxnSpPr>
+          <p:cNvPr id="30" name="Straight Arrow Connector 29"/>
+          <p:cNvCxnSpPr/>
+          <p:nvPr/>
+        </p:nvCxnSpPr>
+        <p:spPr>
+          <a:xfrm>
+            <a:off x="4427787" y="5020962"/>
+            <a:ext cx="0" cy="1347916"/>
+          </a:xfrm>
+          <a:prstGeom prst="straightConnector1">
+            <a:avLst/>
+          </a:prstGeom>
+          <a:ln w="38100">
+            <a:solidFill>
+              <a:srgbClr val="FF6600"/>
+            </a:solidFill>
+            <a:prstDash val="solid"/>
+            <a:headEnd type="none" w="med" len="med"/>
+            <a:tailEnd type="triangle" w="med" len="med"/>
+          </a:ln>
+        </p:spPr>
+        <p:style>
+          <a:lnRef idx="1">
+            <a:schemeClr val="accent1"/>
+          </a:lnRef>
+          <a:fillRef idx="0">
+            <a:schemeClr val="accent1"/>
+          </a:fillRef>
+          <a:effectRef idx="0">
+            <a:schemeClr val="accent1"/>
+          </a:effectRef>
+          <a:fontRef idx="minor">
+            <a:schemeClr val="tx1"/>
+          </a:fontRef>
+        </p:style>
+      </p:cxnSp>
+      <p:cxnSp>
+        <p:nvCxnSpPr>
+          <p:cNvPr id="6" name="Straight Connector 5"/>
+          <p:cNvCxnSpPr/>
+          <p:nvPr/>
+        </p:nvCxnSpPr>
+        <p:spPr>
+          <a:xfrm>
+            <a:off x="2719968" y="4000499"/>
+            <a:ext cx="1828800" cy="0"/>
+          </a:xfrm>
+          <a:prstGeom prst="line">
+            <a:avLst/>
+          </a:prstGeom>
+          <a:ln w="28575">
+            <a:solidFill>
+              <a:schemeClr val="tx1"/>
+            </a:solidFill>
+          </a:ln>
+        </p:spPr>
+        <p:style>
+          <a:lnRef idx="1">
+            <a:schemeClr val="accent1"/>
+          </a:lnRef>
+          <a:fillRef idx="0">
+            <a:schemeClr val="accent1"/>
+          </a:fillRef>
+          <a:effectRef idx="0">
+            <a:schemeClr val="accent1"/>
+          </a:effectRef>
+          <a:fontRef idx="minor">
+            <a:schemeClr val="tx1"/>
+          </a:fontRef>
+        </p:style>
+      </p:cxnSp>
+      <p:sp>
+        <p:nvSpPr>
+          <p:cNvPr id="51" name="TextBox 50"/>
           <p:cNvSpPr txBox="1"/>
           <p:nvPr/>
         </p:nvSpPr>
         <p:spPr>
           <a:xfrm>
-            <a:off x="4267200" y="136610"/>
-            <a:ext cx="497252" cy="369332"/>
+            <a:off x="2443573" y="6184212"/>
+            <a:ext cx="301686" cy="369332"/>
           </a:xfrm>
           <a:prstGeom prst="rect">
             <a:avLst/>
@@ -7300,1115 +7877,338 @@
           <a:p>
             <a:r>
               <a:rPr lang="en-US" dirty="0" smtClean="0"/>
-              <a:t>Ba</a:t>
-            </a:r>
-            <a:r>
-              <a:rPr lang="en-US" baseline="30000" dirty="0" smtClean="0"/>
-              <a:t>+</a:t>
-            </a:r>
-            <a:endParaRPr lang="en-US" baseline="30000" dirty="0"/>
-          </a:p>
-        </p:txBody>
-      </p:sp>
-      <p:cxnSp>
-        <p:nvCxnSpPr>
-          <p:cNvPr id="3" name="Straight Connector 2"/>
-          <p:cNvCxnSpPr/>
-          <p:nvPr/>
-        </p:nvCxnSpPr>
-        <p:spPr>
-          <a:xfrm>
-            <a:off x="152400" y="5441606"/>
-            <a:ext cx="3429000" cy="0"/>
-          </a:xfrm>
-          <a:prstGeom prst="line">
-            <a:avLst/>
-          </a:prstGeom>
-          <a:ln w="28575">
-            <a:solidFill>
-              <a:schemeClr val="tx1"/>
-            </a:solidFill>
-          </a:ln>
-        </p:spPr>
-        <p:style>
-          <a:lnRef idx="1">
-            <a:schemeClr val="accent1"/>
-          </a:lnRef>
-          <a:fillRef idx="0">
-            <a:schemeClr val="accent1"/>
-          </a:fillRef>
-          <a:effectRef idx="0">
-            <a:schemeClr val="accent1"/>
-          </a:effectRef>
-          <a:fontRef idx="minor">
-            <a:schemeClr val="tx1"/>
-          </a:fontRef>
-        </p:style>
-      </p:cxnSp>
-      <p:cxnSp>
-        <p:nvCxnSpPr>
-          <p:cNvPr id="8" name="Straight Connector 7"/>
-          <p:cNvCxnSpPr/>
-          <p:nvPr/>
-        </p:nvCxnSpPr>
-        <p:spPr>
-          <a:xfrm>
-            <a:off x="1692540" y="4439163"/>
-            <a:ext cx="1501346" cy="0"/>
-          </a:xfrm>
-          <a:prstGeom prst="line">
-            <a:avLst/>
-          </a:prstGeom>
-          <a:ln w="28575">
-            <a:solidFill>
-              <a:schemeClr val="tx1"/>
-            </a:solidFill>
-          </a:ln>
-        </p:spPr>
-        <p:style>
-          <a:lnRef idx="1">
-            <a:schemeClr val="accent1"/>
-          </a:lnRef>
-          <a:fillRef idx="0">
-            <a:schemeClr val="accent1"/>
-          </a:fillRef>
-          <a:effectRef idx="0">
-            <a:schemeClr val="accent1"/>
-          </a:effectRef>
-          <a:fontRef idx="minor">
-            <a:schemeClr val="tx1"/>
-          </a:fontRef>
-        </p:style>
-      </p:cxnSp>
-      <p:cxnSp>
-        <p:nvCxnSpPr>
-          <p:cNvPr id="10" name="Straight Connector 9"/>
-          <p:cNvCxnSpPr/>
-          <p:nvPr/>
-        </p:nvCxnSpPr>
-        <p:spPr>
-          <a:xfrm>
-            <a:off x="1692540" y="4591563"/>
-            <a:ext cx="1501346" cy="0"/>
-          </a:xfrm>
-          <a:prstGeom prst="line">
-            <a:avLst/>
-          </a:prstGeom>
-          <a:ln w="28575">
-            <a:solidFill>
-              <a:schemeClr val="tx1"/>
-            </a:solidFill>
-          </a:ln>
-        </p:spPr>
-        <p:style>
-          <a:lnRef idx="1">
-            <a:schemeClr val="accent1"/>
-          </a:lnRef>
-          <a:fillRef idx="0">
-            <a:schemeClr val="accent1"/>
-          </a:fillRef>
-          <a:effectRef idx="0">
-            <a:schemeClr val="accent1"/>
-          </a:effectRef>
-          <a:fontRef idx="minor">
-            <a:schemeClr val="tx1"/>
-          </a:fontRef>
-        </p:style>
-      </p:cxnSp>
-      <p:cxnSp>
-        <p:nvCxnSpPr>
-          <p:cNvPr id="22" name="Straight Connector 21"/>
-          <p:cNvCxnSpPr/>
-          <p:nvPr/>
-        </p:nvCxnSpPr>
-        <p:spPr>
-          <a:xfrm>
-            <a:off x="625740" y="2895600"/>
-            <a:ext cx="1981200" cy="0"/>
-          </a:xfrm>
-          <a:prstGeom prst="line">
-            <a:avLst/>
-          </a:prstGeom>
-          <a:ln w="28575">
-            <a:solidFill>
-              <a:schemeClr val="tx1"/>
-            </a:solidFill>
-          </a:ln>
-        </p:spPr>
-        <p:style>
-          <a:lnRef idx="1">
-            <a:schemeClr val="accent1"/>
-          </a:lnRef>
-          <a:fillRef idx="0">
-            <a:schemeClr val="accent1"/>
-          </a:fillRef>
-          <a:effectRef idx="0">
-            <a:schemeClr val="accent1"/>
-          </a:effectRef>
-          <a:fontRef idx="minor">
-            <a:schemeClr val="tx1"/>
-          </a:fontRef>
-        </p:style>
-      </p:cxnSp>
-      <p:cxnSp>
-        <p:nvCxnSpPr>
-          <p:cNvPr id="13" name="Straight Arrow Connector 12"/>
-          <p:cNvCxnSpPr/>
-          <p:nvPr/>
-        </p:nvCxnSpPr>
-        <p:spPr>
-          <a:xfrm>
-            <a:off x="1947037" y="2906154"/>
-            <a:ext cx="0" cy="1685409"/>
-          </a:xfrm>
-          <a:prstGeom prst="straightConnector1">
-            <a:avLst/>
-          </a:prstGeom>
-          <a:ln w="38100">
-            <a:solidFill>
-              <a:srgbClr val="C00000"/>
-            </a:solidFill>
-            <a:prstDash val="solid"/>
-            <a:headEnd type="none" w="med" len="med"/>
-            <a:tailEnd type="triangle" w="med" len="med"/>
-          </a:ln>
-        </p:spPr>
-        <p:style>
-          <a:lnRef idx="1">
-            <a:schemeClr val="accent1"/>
-          </a:lnRef>
-          <a:fillRef idx="0">
-            <a:schemeClr val="accent1"/>
-          </a:fillRef>
-          <a:effectRef idx="0">
-            <a:schemeClr val="accent1"/>
-          </a:effectRef>
-          <a:fontRef idx="minor">
-            <a:schemeClr val="tx1"/>
-          </a:fontRef>
-        </p:style>
-      </p:cxnSp>
-      <p:cxnSp>
-        <p:nvCxnSpPr>
-          <p:cNvPr id="18" name="Straight Arrow Connector 17"/>
-          <p:cNvCxnSpPr/>
-          <p:nvPr/>
-        </p:nvCxnSpPr>
-        <p:spPr>
-          <a:xfrm>
-            <a:off x="2251909" y="2743200"/>
-            <a:ext cx="0" cy="1695963"/>
-          </a:xfrm>
-          <a:prstGeom prst="straightConnector1">
-            <a:avLst/>
-          </a:prstGeom>
-          <a:ln w="38100">
-            <a:solidFill>
-              <a:srgbClr val="FF3300"/>
-            </a:solidFill>
-            <a:prstDash val="solid"/>
-            <a:headEnd type="none" w="med" len="med"/>
-            <a:tailEnd type="triangle" w="med" len="med"/>
-          </a:ln>
-        </p:spPr>
-        <p:style>
-          <a:lnRef idx="1">
-            <a:schemeClr val="accent1"/>
-          </a:lnRef>
-          <a:fillRef idx="0">
-            <a:schemeClr val="accent1"/>
-          </a:fillRef>
-          <a:effectRef idx="0">
-            <a:schemeClr val="accent1"/>
-          </a:effectRef>
-          <a:fontRef idx="minor">
-            <a:schemeClr val="tx1"/>
-          </a:fontRef>
-        </p:style>
-      </p:cxnSp>
-      <p:cxnSp>
-        <p:nvCxnSpPr>
-          <p:cNvPr id="20" name="Straight Arrow Connector 19"/>
-          <p:cNvCxnSpPr/>
-          <p:nvPr/>
-        </p:nvCxnSpPr>
-        <p:spPr>
-          <a:xfrm flipV="1">
-            <a:off x="1006740" y="2895601"/>
-            <a:ext cx="0" cy="2546005"/>
-          </a:xfrm>
-          <a:prstGeom prst="straightConnector1">
-            <a:avLst/>
-          </a:prstGeom>
-          <a:ln w="38100">
-            <a:solidFill>
-              <a:srgbClr val="0099CC"/>
-            </a:solidFill>
-            <a:headEnd type="triangle" w="med" len="med"/>
-            <a:tailEnd type="triangle" w="med" len="med"/>
-          </a:ln>
-        </p:spPr>
-        <p:style>
-          <a:lnRef idx="1">
-            <a:schemeClr val="accent1"/>
-          </a:lnRef>
-          <a:fillRef idx="0">
-            <a:schemeClr val="accent1"/>
-          </a:fillRef>
-          <a:effectRef idx="0">
-            <a:schemeClr val="accent1"/>
-          </a:effectRef>
-          <a:fontRef idx="minor">
-            <a:schemeClr val="tx1"/>
-          </a:fontRef>
-        </p:style>
-      </p:cxnSp>
-      <p:cxnSp>
-        <p:nvCxnSpPr>
-          <p:cNvPr id="30" name="Straight Arrow Connector 29"/>
-          <p:cNvCxnSpPr/>
-          <p:nvPr/>
-        </p:nvCxnSpPr>
-        <p:spPr>
-          <a:xfrm>
-            <a:off x="2400817" y="2743200"/>
-            <a:ext cx="0" cy="1848363"/>
-          </a:xfrm>
-          <a:prstGeom prst="straightConnector1">
-            <a:avLst/>
-          </a:prstGeom>
-          <a:ln w="38100">
-            <a:solidFill>
-              <a:srgbClr val="FF6600"/>
-            </a:solidFill>
-            <a:prstDash val="solid"/>
-            <a:headEnd type="none" w="med" len="med"/>
-            <a:tailEnd type="triangle" w="med" len="med"/>
-          </a:ln>
-        </p:spPr>
-        <p:style>
-          <a:lnRef idx="1">
-            <a:schemeClr val="accent1"/>
-          </a:lnRef>
-          <a:fillRef idx="0">
-            <a:schemeClr val="accent1"/>
-          </a:fillRef>
-          <a:effectRef idx="0">
-            <a:schemeClr val="accent1"/>
-          </a:effectRef>
-          <a:fontRef idx="minor">
-            <a:schemeClr val="tx1"/>
-          </a:fontRef>
-        </p:style>
-      </p:cxnSp>
-      <p:cxnSp>
-        <p:nvCxnSpPr>
-          <p:cNvPr id="7" name="Straight Connector 6"/>
-          <p:cNvCxnSpPr/>
-          <p:nvPr/>
-        </p:nvCxnSpPr>
-        <p:spPr>
-          <a:xfrm>
-            <a:off x="625740" y="2743200"/>
-            <a:ext cx="1981200" cy="0"/>
-          </a:xfrm>
-          <a:prstGeom prst="line">
-            <a:avLst/>
-          </a:prstGeom>
-          <a:ln w="28575">
-            <a:solidFill>
-              <a:schemeClr val="tx1"/>
-            </a:solidFill>
-          </a:ln>
-        </p:spPr>
-        <p:style>
-          <a:lnRef idx="1">
-            <a:schemeClr val="accent1"/>
-          </a:lnRef>
-          <a:fillRef idx="0">
-            <a:schemeClr val="accent1"/>
-          </a:fillRef>
-          <a:effectRef idx="0">
-            <a:schemeClr val="accent1"/>
-          </a:effectRef>
-          <a:fontRef idx="minor">
-            <a:schemeClr val="tx1"/>
-          </a:fontRef>
-        </p:style>
-      </p:cxnSp>
-      <p:cxnSp>
-        <p:nvCxnSpPr>
-          <p:cNvPr id="21" name="Straight Arrow Connector 20"/>
-          <p:cNvCxnSpPr/>
-          <p:nvPr/>
-        </p:nvCxnSpPr>
-        <p:spPr>
-          <a:xfrm flipV="1">
-            <a:off x="778140" y="2743200"/>
-            <a:ext cx="0" cy="2698406"/>
-          </a:xfrm>
-          <a:prstGeom prst="straightConnector1">
-            <a:avLst/>
-          </a:prstGeom>
-          <a:ln w="38100">
-            <a:solidFill>
-              <a:srgbClr val="0000FF"/>
-            </a:solidFill>
-            <a:headEnd type="triangle" w="med" len="med"/>
-            <a:tailEnd type="triangle" w="med" len="med"/>
-          </a:ln>
-        </p:spPr>
-        <p:style>
-          <a:lnRef idx="1">
-            <a:schemeClr val="accent1"/>
-          </a:lnRef>
-          <a:fillRef idx="0">
-            <a:schemeClr val="accent1"/>
-          </a:fillRef>
-          <a:effectRef idx="0">
-            <a:schemeClr val="accent1"/>
-          </a:effectRef>
-          <a:fontRef idx="minor">
-            <a:schemeClr val="tx1"/>
-          </a:fontRef>
-        </p:style>
-      </p:cxnSp>
-      <p:cxnSp>
-        <p:nvCxnSpPr>
-          <p:cNvPr id="40" name="Straight Connector 39"/>
-          <p:cNvCxnSpPr/>
-          <p:nvPr/>
-        </p:nvCxnSpPr>
-        <p:spPr>
-          <a:xfrm>
-            <a:off x="2819400" y="5029200"/>
-            <a:ext cx="3429000" cy="0"/>
-          </a:xfrm>
-          <a:prstGeom prst="line">
-            <a:avLst/>
-          </a:prstGeom>
-          <a:ln w="28575">
-            <a:solidFill>
-              <a:schemeClr val="tx1"/>
-            </a:solidFill>
-          </a:ln>
-        </p:spPr>
-        <p:style>
-          <a:lnRef idx="1">
-            <a:schemeClr val="accent1"/>
-          </a:lnRef>
-          <a:fillRef idx="0">
-            <a:schemeClr val="accent1"/>
-          </a:fillRef>
-          <a:effectRef idx="0">
-            <a:schemeClr val="accent1"/>
-          </a:effectRef>
-          <a:fontRef idx="minor">
-            <a:schemeClr val="tx1"/>
-          </a:fontRef>
-        </p:style>
-      </p:cxnSp>
-      <p:cxnSp>
-        <p:nvCxnSpPr>
-          <p:cNvPr id="41" name="Straight Connector 40"/>
-          <p:cNvCxnSpPr/>
-          <p:nvPr/>
-        </p:nvCxnSpPr>
-        <p:spPr>
-          <a:xfrm>
-            <a:off x="4359540" y="4026757"/>
-            <a:ext cx="1501346" cy="0"/>
-          </a:xfrm>
-          <a:prstGeom prst="line">
-            <a:avLst/>
-          </a:prstGeom>
-          <a:ln w="28575">
-            <a:solidFill>
-              <a:schemeClr val="tx1"/>
-            </a:solidFill>
-          </a:ln>
-        </p:spPr>
-        <p:style>
-          <a:lnRef idx="1">
-            <a:schemeClr val="accent1"/>
-          </a:lnRef>
-          <a:fillRef idx="0">
-            <a:schemeClr val="accent1"/>
-          </a:fillRef>
-          <a:effectRef idx="0">
-            <a:schemeClr val="accent1"/>
-          </a:effectRef>
-          <a:fontRef idx="minor">
-            <a:schemeClr val="tx1"/>
-          </a:fontRef>
-        </p:style>
-      </p:cxnSp>
-      <p:cxnSp>
-        <p:nvCxnSpPr>
-          <p:cNvPr id="42" name="Straight Connector 41"/>
-          <p:cNvCxnSpPr/>
-          <p:nvPr/>
-        </p:nvCxnSpPr>
-        <p:spPr>
-          <a:xfrm>
-            <a:off x="4359540" y="4179157"/>
-            <a:ext cx="1501346" cy="0"/>
-          </a:xfrm>
-          <a:prstGeom prst="line">
-            <a:avLst/>
-          </a:prstGeom>
-          <a:ln w="28575">
-            <a:solidFill>
-              <a:schemeClr val="tx1"/>
-            </a:solidFill>
-          </a:ln>
-        </p:spPr>
-        <p:style>
-          <a:lnRef idx="1">
-            <a:schemeClr val="accent1"/>
-          </a:lnRef>
-          <a:fillRef idx="0">
-            <a:schemeClr val="accent1"/>
-          </a:fillRef>
-          <a:effectRef idx="0">
-            <a:schemeClr val="accent1"/>
-          </a:effectRef>
-          <a:fontRef idx="minor">
-            <a:schemeClr val="tx1"/>
-          </a:fontRef>
-        </p:style>
-      </p:cxnSp>
-      <p:cxnSp>
-        <p:nvCxnSpPr>
-          <p:cNvPr id="43" name="Straight Connector 42"/>
-          <p:cNvCxnSpPr/>
-          <p:nvPr/>
-        </p:nvCxnSpPr>
-        <p:spPr>
-          <a:xfrm>
-            <a:off x="3292740" y="2483194"/>
-            <a:ext cx="1981200" cy="0"/>
-          </a:xfrm>
-          <a:prstGeom prst="line">
-            <a:avLst/>
-          </a:prstGeom>
-          <a:ln w="28575">
-            <a:solidFill>
-              <a:schemeClr val="tx1"/>
-            </a:solidFill>
-          </a:ln>
-        </p:spPr>
-        <p:style>
-          <a:lnRef idx="1">
-            <a:schemeClr val="accent1"/>
-          </a:lnRef>
-          <a:fillRef idx="0">
-            <a:schemeClr val="accent1"/>
-          </a:fillRef>
-          <a:effectRef idx="0">
-            <a:schemeClr val="accent1"/>
-          </a:effectRef>
-          <a:fontRef idx="minor">
-            <a:schemeClr val="tx1"/>
-          </a:fontRef>
-        </p:style>
-      </p:cxnSp>
-      <p:cxnSp>
-        <p:nvCxnSpPr>
-          <p:cNvPr id="44" name="Straight Arrow Connector 43"/>
-          <p:cNvCxnSpPr/>
-          <p:nvPr/>
-        </p:nvCxnSpPr>
-        <p:spPr>
-          <a:xfrm>
-            <a:off x="4614037" y="2493748"/>
-            <a:ext cx="0" cy="1685409"/>
-          </a:xfrm>
-          <a:prstGeom prst="straightConnector1">
-            <a:avLst/>
-          </a:prstGeom>
-          <a:ln w="38100">
-            <a:solidFill>
-              <a:srgbClr val="C00000"/>
-            </a:solidFill>
-            <a:prstDash val="sysDash"/>
-            <a:headEnd type="none" w="med" len="med"/>
-            <a:tailEnd type="triangle" w="med" len="med"/>
-          </a:ln>
-        </p:spPr>
-        <p:style>
-          <a:lnRef idx="1">
-            <a:schemeClr val="accent1"/>
-          </a:lnRef>
-          <a:fillRef idx="0">
-            <a:schemeClr val="accent1"/>
-          </a:fillRef>
-          <a:effectRef idx="0">
-            <a:schemeClr val="accent1"/>
-          </a:effectRef>
-          <a:fontRef idx="minor">
-            <a:schemeClr val="tx1"/>
-          </a:fontRef>
-        </p:style>
-      </p:cxnSp>
-      <p:cxnSp>
-        <p:nvCxnSpPr>
-          <p:cNvPr id="45" name="Straight Arrow Connector 44"/>
-          <p:cNvCxnSpPr/>
-          <p:nvPr/>
-        </p:nvCxnSpPr>
-        <p:spPr>
-          <a:xfrm>
-            <a:off x="4918909" y="2330794"/>
-            <a:ext cx="0" cy="1695963"/>
-          </a:xfrm>
-          <a:prstGeom prst="straightConnector1">
-            <a:avLst/>
-          </a:prstGeom>
-          <a:ln w="38100">
-            <a:solidFill>
-              <a:srgbClr val="FF3300"/>
-            </a:solidFill>
-            <a:prstDash val="sysDash"/>
-            <a:headEnd type="none" w="med" len="med"/>
-            <a:tailEnd type="triangle" w="med" len="med"/>
-          </a:ln>
-        </p:spPr>
-        <p:style>
-          <a:lnRef idx="1">
-            <a:schemeClr val="accent1"/>
-          </a:lnRef>
-          <a:fillRef idx="0">
-            <a:schemeClr val="accent1"/>
-          </a:fillRef>
-          <a:effectRef idx="0">
-            <a:schemeClr val="accent1"/>
-          </a:effectRef>
-          <a:fontRef idx="minor">
-            <a:schemeClr val="tx1"/>
-          </a:fontRef>
-        </p:style>
-      </p:cxnSp>
-      <p:cxnSp>
-        <p:nvCxnSpPr>
-          <p:cNvPr id="46" name="Straight Arrow Connector 45"/>
-          <p:cNvCxnSpPr/>
-          <p:nvPr/>
-        </p:nvCxnSpPr>
-        <p:spPr>
-          <a:xfrm flipV="1">
-            <a:off x="3673740" y="2483195"/>
-            <a:ext cx="0" cy="2546005"/>
-          </a:xfrm>
-          <a:prstGeom prst="straightConnector1">
-            <a:avLst/>
-          </a:prstGeom>
-          <a:ln w="38100">
-            <a:solidFill>
-              <a:srgbClr val="0099CC"/>
-            </a:solidFill>
-            <a:headEnd type="triangle" w="med" len="med"/>
-            <a:tailEnd type="triangle" w="med" len="med"/>
-          </a:ln>
-        </p:spPr>
-        <p:style>
-          <a:lnRef idx="1">
-            <a:schemeClr val="accent1"/>
-          </a:lnRef>
-          <a:fillRef idx="0">
-            <a:schemeClr val="accent1"/>
-          </a:fillRef>
-          <a:effectRef idx="0">
-            <a:schemeClr val="accent1"/>
-          </a:effectRef>
-          <a:fontRef idx="minor">
-            <a:schemeClr val="tx1"/>
-          </a:fontRef>
-        </p:style>
-      </p:cxnSp>
-      <p:cxnSp>
-        <p:nvCxnSpPr>
-          <p:cNvPr id="47" name="Straight Arrow Connector 46"/>
-          <p:cNvCxnSpPr/>
-          <p:nvPr/>
-        </p:nvCxnSpPr>
-        <p:spPr>
-          <a:xfrm>
-            <a:off x="5067817" y="2330794"/>
-            <a:ext cx="0" cy="1848363"/>
-          </a:xfrm>
-          <a:prstGeom prst="straightConnector1">
-            <a:avLst/>
-          </a:prstGeom>
-          <a:ln w="38100">
-            <a:solidFill>
-              <a:srgbClr val="FF6600"/>
-            </a:solidFill>
-            <a:prstDash val="sysDash"/>
-            <a:headEnd type="none" w="med" len="med"/>
-            <a:tailEnd type="triangle" w="med" len="med"/>
-          </a:ln>
-        </p:spPr>
-        <p:style>
-          <a:lnRef idx="1">
-            <a:schemeClr val="accent1"/>
-          </a:lnRef>
-          <a:fillRef idx="0">
-            <a:schemeClr val="accent1"/>
-          </a:fillRef>
-          <a:effectRef idx="0">
-            <a:schemeClr val="accent1"/>
-          </a:effectRef>
-          <a:fontRef idx="minor">
-            <a:schemeClr val="tx1"/>
-          </a:fontRef>
-        </p:style>
-      </p:cxnSp>
-      <p:cxnSp>
-        <p:nvCxnSpPr>
-          <p:cNvPr id="48" name="Straight Connector 47"/>
-          <p:cNvCxnSpPr/>
-          <p:nvPr/>
-        </p:nvCxnSpPr>
-        <p:spPr>
-          <a:xfrm>
-            <a:off x="3292740" y="2330794"/>
-            <a:ext cx="1981200" cy="0"/>
-          </a:xfrm>
-          <a:prstGeom prst="line">
-            <a:avLst/>
-          </a:prstGeom>
-          <a:ln w="28575">
-            <a:solidFill>
-              <a:schemeClr val="tx1"/>
-            </a:solidFill>
-          </a:ln>
-        </p:spPr>
-        <p:style>
-          <a:lnRef idx="1">
-            <a:schemeClr val="accent1"/>
-          </a:lnRef>
-          <a:fillRef idx="0">
-            <a:schemeClr val="accent1"/>
-          </a:fillRef>
-          <a:effectRef idx="0">
-            <a:schemeClr val="accent1"/>
-          </a:effectRef>
-          <a:fontRef idx="minor">
-            <a:schemeClr val="tx1"/>
-          </a:fontRef>
-        </p:style>
-      </p:cxnSp>
-      <p:cxnSp>
-        <p:nvCxnSpPr>
-          <p:cNvPr id="49" name="Straight Arrow Connector 48"/>
-          <p:cNvCxnSpPr/>
-          <p:nvPr/>
-        </p:nvCxnSpPr>
-        <p:spPr>
-          <a:xfrm flipV="1">
-            <a:off x="3445140" y="2330794"/>
-            <a:ext cx="0" cy="2698406"/>
-          </a:xfrm>
-          <a:prstGeom prst="straightConnector1">
-            <a:avLst/>
-          </a:prstGeom>
-          <a:ln w="38100">
-            <a:solidFill>
-              <a:srgbClr val="0000FF"/>
-            </a:solidFill>
-            <a:headEnd type="triangle" w="med" len="med"/>
-            <a:tailEnd type="triangle" w="med" len="med"/>
-          </a:ln>
-        </p:spPr>
-        <p:style>
-          <a:lnRef idx="1">
-            <a:schemeClr val="accent1"/>
-          </a:lnRef>
-          <a:fillRef idx="0">
-            <a:schemeClr val="accent1"/>
-          </a:fillRef>
-          <a:effectRef idx="0">
-            <a:schemeClr val="accent1"/>
-          </a:effectRef>
-          <a:fontRef idx="minor">
-            <a:schemeClr val="tx1"/>
-          </a:fontRef>
-        </p:style>
-      </p:cxnSp>
-      <p:cxnSp>
-        <p:nvCxnSpPr>
-          <p:cNvPr id="50" name="Straight Connector 49"/>
-          <p:cNvCxnSpPr/>
-          <p:nvPr/>
-        </p:nvCxnSpPr>
-        <p:spPr>
-          <a:xfrm>
-            <a:off x="5616146" y="4679606"/>
-            <a:ext cx="3429000" cy="0"/>
-          </a:xfrm>
-          <a:prstGeom prst="line">
-            <a:avLst/>
-          </a:prstGeom>
-          <a:ln w="28575">
-            <a:solidFill>
-              <a:schemeClr val="tx1"/>
-            </a:solidFill>
-          </a:ln>
-        </p:spPr>
-        <p:style>
-          <a:lnRef idx="1">
-            <a:schemeClr val="accent1"/>
-          </a:lnRef>
-          <a:fillRef idx="0">
-            <a:schemeClr val="accent1"/>
-          </a:fillRef>
-          <a:effectRef idx="0">
-            <a:schemeClr val="accent1"/>
-          </a:effectRef>
-          <a:fontRef idx="minor">
-            <a:schemeClr val="tx1"/>
-          </a:fontRef>
-        </p:style>
-      </p:cxnSp>
-      <p:cxnSp>
-        <p:nvCxnSpPr>
-          <p:cNvPr id="51" name="Straight Connector 50"/>
-          <p:cNvCxnSpPr/>
-          <p:nvPr/>
-        </p:nvCxnSpPr>
-        <p:spPr>
-          <a:xfrm>
-            <a:off x="7156286" y="3677163"/>
-            <a:ext cx="1501346" cy="0"/>
-          </a:xfrm>
-          <a:prstGeom prst="line">
-            <a:avLst/>
-          </a:prstGeom>
-          <a:ln w="28575">
-            <a:solidFill>
-              <a:schemeClr val="tx1"/>
-            </a:solidFill>
-          </a:ln>
-        </p:spPr>
-        <p:style>
-          <a:lnRef idx="1">
-            <a:schemeClr val="accent1"/>
-          </a:lnRef>
-          <a:fillRef idx="0">
-            <a:schemeClr val="accent1"/>
-          </a:fillRef>
-          <a:effectRef idx="0">
-            <a:schemeClr val="accent1"/>
-          </a:effectRef>
-          <a:fontRef idx="minor">
-            <a:schemeClr val="tx1"/>
-          </a:fontRef>
-        </p:style>
-      </p:cxnSp>
-      <p:cxnSp>
-        <p:nvCxnSpPr>
-          <p:cNvPr id="52" name="Straight Connector 51"/>
-          <p:cNvCxnSpPr/>
-          <p:nvPr/>
-        </p:nvCxnSpPr>
-        <p:spPr>
-          <a:xfrm>
-            <a:off x="7156286" y="3829563"/>
-            <a:ext cx="1501346" cy="0"/>
-          </a:xfrm>
-          <a:prstGeom prst="line">
-            <a:avLst/>
-          </a:prstGeom>
-          <a:ln w="28575">
-            <a:solidFill>
-              <a:schemeClr val="tx1"/>
-            </a:solidFill>
-          </a:ln>
-        </p:spPr>
-        <p:style>
-          <a:lnRef idx="1">
-            <a:schemeClr val="accent1"/>
-          </a:lnRef>
-          <a:fillRef idx="0">
-            <a:schemeClr val="accent1"/>
-          </a:fillRef>
-          <a:effectRef idx="0">
-            <a:schemeClr val="accent1"/>
-          </a:effectRef>
-          <a:fontRef idx="minor">
-            <a:schemeClr val="tx1"/>
-          </a:fontRef>
-        </p:style>
-      </p:cxnSp>
-      <p:cxnSp>
-        <p:nvCxnSpPr>
-          <p:cNvPr id="53" name="Straight Connector 52"/>
-          <p:cNvCxnSpPr/>
-          <p:nvPr/>
-        </p:nvCxnSpPr>
-        <p:spPr>
-          <a:xfrm>
-            <a:off x="6089486" y="2133600"/>
-            <a:ext cx="1981200" cy="0"/>
-          </a:xfrm>
-          <a:prstGeom prst="line">
-            <a:avLst/>
-          </a:prstGeom>
-          <a:ln w="28575">
-            <a:solidFill>
-              <a:schemeClr val="tx1"/>
-            </a:solidFill>
-          </a:ln>
-        </p:spPr>
-        <p:style>
-          <a:lnRef idx="1">
-            <a:schemeClr val="accent1"/>
-          </a:lnRef>
-          <a:fillRef idx="0">
-            <a:schemeClr val="accent1"/>
-          </a:fillRef>
-          <a:effectRef idx="0">
-            <a:schemeClr val="accent1"/>
-          </a:effectRef>
-          <a:fontRef idx="minor">
-            <a:schemeClr val="tx1"/>
-          </a:fontRef>
-        </p:style>
-      </p:cxnSp>
-      <p:cxnSp>
-        <p:nvCxnSpPr>
-          <p:cNvPr id="54" name="Straight Arrow Connector 53"/>
-          <p:cNvCxnSpPr/>
-          <p:nvPr/>
-        </p:nvCxnSpPr>
-        <p:spPr>
-          <a:xfrm>
-            <a:off x="7410783" y="2144154"/>
-            <a:ext cx="0" cy="1685409"/>
-          </a:xfrm>
-          <a:prstGeom prst="straightConnector1">
-            <a:avLst/>
-          </a:prstGeom>
-          <a:ln w="38100">
-            <a:solidFill>
-              <a:srgbClr val="C00000"/>
-            </a:solidFill>
-            <a:prstDash val="sysDash"/>
-            <a:headEnd type="none" w="med" len="med"/>
-            <a:tailEnd type="triangle" w="med" len="med"/>
-          </a:ln>
-        </p:spPr>
-        <p:style>
-          <a:lnRef idx="1">
-            <a:schemeClr val="accent1"/>
-          </a:lnRef>
-          <a:fillRef idx="0">
-            <a:schemeClr val="accent1"/>
-          </a:fillRef>
-          <a:effectRef idx="0">
-            <a:schemeClr val="accent1"/>
-          </a:effectRef>
-          <a:fontRef idx="minor">
-            <a:schemeClr val="tx1"/>
-          </a:fontRef>
-        </p:style>
-      </p:cxnSp>
-      <p:cxnSp>
-        <p:nvCxnSpPr>
-          <p:cNvPr id="55" name="Straight Arrow Connector 54"/>
-          <p:cNvCxnSpPr/>
-          <p:nvPr/>
-        </p:nvCxnSpPr>
-        <p:spPr>
-          <a:xfrm>
-            <a:off x="7924800" y="1981200"/>
-            <a:ext cx="0" cy="1695963"/>
-          </a:xfrm>
-          <a:prstGeom prst="straightConnector1">
-            <a:avLst/>
-          </a:prstGeom>
-          <a:ln w="38100">
-            <a:solidFill>
-              <a:srgbClr val="FF3300"/>
-            </a:solidFill>
-            <a:prstDash val="sysDash"/>
-            <a:headEnd type="none" w="med" len="med"/>
-            <a:tailEnd type="triangle" w="med" len="med"/>
-          </a:ln>
-        </p:spPr>
-        <p:style>
-          <a:lnRef idx="1">
-            <a:schemeClr val="accent1"/>
-          </a:lnRef>
-          <a:fillRef idx="0">
-            <a:schemeClr val="accent1"/>
-          </a:fillRef>
-          <a:effectRef idx="0">
-            <a:schemeClr val="accent1"/>
-          </a:effectRef>
-          <a:fontRef idx="minor">
-            <a:schemeClr val="tx1"/>
-          </a:fontRef>
-        </p:style>
-      </p:cxnSp>
-      <p:cxnSp>
-        <p:nvCxnSpPr>
-          <p:cNvPr id="56" name="Straight Arrow Connector 55"/>
-          <p:cNvCxnSpPr/>
-          <p:nvPr/>
-        </p:nvCxnSpPr>
-        <p:spPr>
-          <a:xfrm flipV="1">
-            <a:off x="6470486" y="2133601"/>
-            <a:ext cx="0" cy="2546005"/>
-          </a:xfrm>
-          <a:prstGeom prst="straightConnector1">
-            <a:avLst/>
-          </a:prstGeom>
-          <a:ln w="38100">
-            <a:solidFill>
-              <a:srgbClr val="0099CC"/>
-            </a:solidFill>
-            <a:headEnd type="triangle" w="med" len="med"/>
-            <a:tailEnd type="triangle" w="med" len="med"/>
-          </a:ln>
-        </p:spPr>
-        <p:style>
-          <a:lnRef idx="1">
-            <a:schemeClr val="accent1"/>
-          </a:lnRef>
-          <a:fillRef idx="0">
-            <a:schemeClr val="accent1"/>
-          </a:fillRef>
-          <a:effectRef idx="0">
-            <a:schemeClr val="accent1"/>
-          </a:effectRef>
-          <a:fontRef idx="minor">
-            <a:schemeClr val="tx1"/>
-          </a:fontRef>
-        </p:style>
-      </p:cxnSp>
-      <p:cxnSp>
-        <p:nvCxnSpPr>
-          <p:cNvPr id="57" name="Straight Arrow Connector 56"/>
-          <p:cNvCxnSpPr/>
-          <p:nvPr/>
-        </p:nvCxnSpPr>
-        <p:spPr>
-          <a:xfrm>
-            <a:off x="7772400" y="1981200"/>
-            <a:ext cx="0" cy="1848363"/>
-          </a:xfrm>
-          <a:prstGeom prst="straightConnector1">
-            <a:avLst/>
-          </a:prstGeom>
-          <a:ln w="38100">
-            <a:solidFill>
-              <a:srgbClr val="FF6600"/>
-            </a:solidFill>
-            <a:prstDash val="sysDash"/>
-            <a:headEnd type="none" w="med" len="med"/>
-            <a:tailEnd type="triangle" w="med" len="med"/>
-          </a:ln>
-        </p:spPr>
-        <p:style>
-          <a:lnRef idx="1">
-            <a:schemeClr val="accent1"/>
-          </a:lnRef>
-          <a:fillRef idx="0">
-            <a:schemeClr val="accent1"/>
-          </a:fillRef>
-          <a:effectRef idx="0">
-            <a:schemeClr val="accent1"/>
-          </a:effectRef>
-          <a:fontRef idx="minor">
-            <a:schemeClr val="tx1"/>
-          </a:fontRef>
-        </p:style>
-      </p:cxnSp>
-      <p:cxnSp>
-        <p:nvCxnSpPr>
-          <p:cNvPr id="58" name="Straight Connector 57"/>
-          <p:cNvCxnSpPr/>
-          <p:nvPr/>
-        </p:nvCxnSpPr>
-        <p:spPr>
-          <a:xfrm>
-            <a:off x="6089486" y="1981200"/>
-            <a:ext cx="1981200" cy="0"/>
-          </a:xfrm>
-          <a:prstGeom prst="line">
-            <a:avLst/>
-          </a:prstGeom>
-          <a:ln w="28575">
-            <a:solidFill>
-              <a:schemeClr val="tx1"/>
-            </a:solidFill>
-          </a:ln>
-        </p:spPr>
-        <p:style>
-          <a:lnRef idx="1">
-            <a:schemeClr val="accent1"/>
-          </a:lnRef>
-          <a:fillRef idx="0">
-            <a:schemeClr val="accent1"/>
-          </a:fillRef>
-          <a:effectRef idx="0">
-            <a:schemeClr val="accent1"/>
-          </a:effectRef>
-          <a:fontRef idx="minor">
-            <a:schemeClr val="tx1"/>
-          </a:fontRef>
-        </p:style>
-      </p:cxnSp>
-      <p:cxnSp>
-        <p:nvCxnSpPr>
-          <p:cNvPr id="59" name="Straight Arrow Connector 58"/>
-          <p:cNvCxnSpPr/>
-          <p:nvPr/>
-        </p:nvCxnSpPr>
-        <p:spPr>
-          <a:xfrm flipV="1">
-            <a:off x="6241886" y="1981200"/>
-            <a:ext cx="0" cy="2698406"/>
-          </a:xfrm>
-          <a:prstGeom prst="straightConnector1">
-            <a:avLst/>
-          </a:prstGeom>
-          <a:ln w="38100">
-            <a:solidFill>
-              <a:srgbClr val="0000FF"/>
-            </a:solidFill>
-            <a:headEnd type="triangle" w="med" len="med"/>
-            <a:tailEnd type="triangle" w="med" len="med"/>
-          </a:ln>
-        </p:spPr>
-        <p:style>
-          <a:lnRef idx="1">
-            <a:schemeClr val="accent1"/>
-          </a:lnRef>
-          <a:fillRef idx="0">
-            <a:schemeClr val="accent1"/>
-          </a:fillRef>
-          <a:effectRef idx="0">
-            <a:schemeClr val="accent1"/>
-          </a:effectRef>
-          <a:fontRef idx="minor">
-            <a:schemeClr val="tx1"/>
-          </a:fontRef>
-        </p:style>
-      </p:cxnSp>
+              <a:t>1</a:t>
+            </a:r>
+            <a:endParaRPr lang="en-US" dirty="0"/>
+          </a:p>
+        </p:txBody>
+      </p:sp>
+      <p:sp>
+        <p:nvSpPr>
+          <p:cNvPr id="52" name="TextBox 51"/>
+          <p:cNvSpPr txBox="1"/>
+          <p:nvPr/>
+        </p:nvSpPr>
+        <p:spPr>
+          <a:xfrm>
+            <a:off x="2435336" y="3815833"/>
+            <a:ext cx="301686" cy="369332"/>
+          </a:xfrm>
+          <a:prstGeom prst="rect">
+            <a:avLst/>
+          </a:prstGeom>
+          <a:noFill/>
+        </p:spPr>
+        <p:txBody>
+          <a:bodyPr wrap="none" rtlCol="0">
+            <a:spAutoFit/>
+          </a:bodyPr>
+          <a:lstStyle/>
+          <a:p>
+            <a:r>
+              <a:rPr lang="en-US" dirty="0" smtClean="0"/>
+              <a:t>2</a:t>
+            </a:r>
+            <a:endParaRPr lang="en-US" dirty="0"/>
+          </a:p>
+        </p:txBody>
+      </p:sp>
+      <p:sp>
+        <p:nvSpPr>
+          <p:cNvPr id="53" name="TextBox 52"/>
+          <p:cNvSpPr txBox="1"/>
+          <p:nvPr/>
+        </p:nvSpPr>
+        <p:spPr>
+          <a:xfrm>
+            <a:off x="4593649" y="4736068"/>
+            <a:ext cx="301686" cy="369332"/>
+          </a:xfrm>
+          <a:prstGeom prst="rect">
+            <a:avLst/>
+          </a:prstGeom>
+          <a:noFill/>
+        </p:spPr>
+        <p:txBody>
+          <a:bodyPr wrap="none" rtlCol="0">
+            <a:spAutoFit/>
+          </a:bodyPr>
+          <a:lstStyle/>
+          <a:p>
+            <a:r>
+              <a:rPr lang="en-US" dirty="0" smtClean="0"/>
+              <a:t>3</a:t>
+            </a:r>
+            <a:endParaRPr lang="en-US" dirty="0"/>
+          </a:p>
+        </p:txBody>
+      </p:sp>
+      <p:sp>
+        <p:nvSpPr>
+          <p:cNvPr id="54" name="TextBox 53"/>
+          <p:cNvSpPr txBox="1"/>
+          <p:nvPr/>
+        </p:nvSpPr>
+        <p:spPr>
+          <a:xfrm>
+            <a:off x="4593649" y="4958834"/>
+            <a:ext cx="301686" cy="369332"/>
+          </a:xfrm>
+          <a:prstGeom prst="rect">
+            <a:avLst/>
+          </a:prstGeom>
+          <a:noFill/>
+        </p:spPr>
+        <p:txBody>
+          <a:bodyPr wrap="none" rtlCol="0">
+            <a:spAutoFit/>
+          </a:bodyPr>
+          <a:lstStyle/>
+          <a:p>
+            <a:r>
+              <a:rPr lang="en-US" dirty="0"/>
+              <a:t>4</a:t>
+            </a:r>
+          </a:p>
+        </p:txBody>
+      </p:sp>
+      <p:sp>
+        <p:nvSpPr>
+          <p:cNvPr id="55" name="TextBox 54"/>
+          <p:cNvSpPr txBox="1"/>
+          <p:nvPr/>
+        </p:nvSpPr>
+        <p:spPr>
+          <a:xfrm>
+            <a:off x="4593649" y="5193268"/>
+            <a:ext cx="301686" cy="369332"/>
+          </a:xfrm>
+          <a:prstGeom prst="rect">
+            <a:avLst/>
+          </a:prstGeom>
+          <a:noFill/>
+        </p:spPr>
+        <p:txBody>
+          <a:bodyPr wrap="none" rtlCol="0">
+            <a:spAutoFit/>
+          </a:bodyPr>
+          <a:lstStyle/>
+          <a:p>
+            <a:r>
+              <a:rPr lang="en-US" dirty="0" smtClean="0"/>
+              <a:t>5</a:t>
+            </a:r>
+            <a:endParaRPr lang="en-US" dirty="0"/>
+          </a:p>
+        </p:txBody>
+      </p:sp>
+      <p:sp>
+        <p:nvSpPr>
+          <p:cNvPr id="56" name="TextBox 55"/>
+          <p:cNvSpPr txBox="1"/>
+          <p:nvPr/>
+        </p:nvSpPr>
+        <p:spPr>
+          <a:xfrm>
+            <a:off x="4427787" y="5694920"/>
+            <a:ext cx="801823" cy="369332"/>
+          </a:xfrm>
+          <a:prstGeom prst="rect">
+            <a:avLst/>
+          </a:prstGeom>
+          <a:noFill/>
+        </p:spPr>
+        <p:txBody>
+          <a:bodyPr wrap="none" rtlCol="0">
+            <a:spAutoFit/>
+          </a:bodyPr>
+          <a:lstStyle/>
+          <a:p>
+            <a:r>
+              <a:rPr lang="en-US" dirty="0" smtClean="0">
+                <a:solidFill>
+                  <a:srgbClr val="FF6600"/>
+                </a:solidFill>
+              </a:rPr>
+              <a:t>A</a:t>
+            </a:r>
+            <a:r>
+              <a:rPr lang="en-US" baseline="-25000" dirty="0" smtClean="0">
+                <a:solidFill>
+                  <a:srgbClr val="FF6600"/>
+                </a:solidFill>
+              </a:rPr>
+              <a:t>(3,4,5)1</a:t>
+            </a:r>
+            <a:endParaRPr lang="en-US" baseline="-25000" dirty="0">
+              <a:solidFill>
+                <a:srgbClr val="FF6600"/>
+              </a:solidFill>
+            </a:endParaRPr>
+          </a:p>
+        </p:txBody>
+      </p:sp>
+      <p:sp>
+        <p:nvSpPr>
+          <p:cNvPr id="57" name="TextBox 56"/>
+          <p:cNvSpPr txBox="1"/>
+          <p:nvPr/>
+        </p:nvSpPr>
+        <p:spPr>
+          <a:xfrm>
+            <a:off x="3770177" y="4266510"/>
+            <a:ext cx="801823" cy="369332"/>
+          </a:xfrm>
+          <a:prstGeom prst="rect">
+            <a:avLst/>
+          </a:prstGeom>
+          <a:noFill/>
+        </p:spPr>
+        <p:txBody>
+          <a:bodyPr wrap="none" rtlCol="0">
+            <a:spAutoFit/>
+          </a:bodyPr>
+          <a:lstStyle/>
+          <a:p>
+            <a:r>
+              <a:rPr lang="en-US" dirty="0" smtClean="0">
+                <a:solidFill>
+                  <a:srgbClr val="800000"/>
+                </a:solidFill>
+              </a:rPr>
+              <a:t>A</a:t>
+            </a:r>
+            <a:r>
+              <a:rPr lang="en-US" baseline="-25000" dirty="0" smtClean="0">
+                <a:solidFill>
+                  <a:srgbClr val="800000"/>
+                </a:solidFill>
+              </a:rPr>
+              <a:t>2(3,4,5)</a:t>
+            </a:r>
+            <a:endParaRPr lang="en-US" baseline="-25000" dirty="0">
+              <a:solidFill>
+                <a:srgbClr val="800000"/>
+              </a:solidFill>
+            </a:endParaRPr>
+          </a:p>
+        </p:txBody>
+      </p:sp>
+      <p:sp>
+        <p:nvSpPr>
+          <p:cNvPr id="58" name="TextBox 57"/>
+          <p:cNvSpPr txBox="1"/>
+          <p:nvPr/>
+        </p:nvSpPr>
+        <p:spPr>
+          <a:xfrm>
+            <a:off x="2969741" y="5437314"/>
+            <a:ext cx="474810" cy="369332"/>
+          </a:xfrm>
+          <a:prstGeom prst="rect">
+            <a:avLst/>
+          </a:prstGeom>
+          <a:noFill/>
+        </p:spPr>
+        <p:txBody>
+          <a:bodyPr wrap="none" rtlCol="0">
+            <a:spAutoFit/>
+          </a:bodyPr>
+          <a:lstStyle/>
+          <a:p>
+            <a:r>
+              <a:rPr lang="en-US" dirty="0" smtClean="0">
+                <a:solidFill>
+                  <a:schemeClr val="accent1">
+                    <a:lumMod val="75000"/>
+                  </a:schemeClr>
+                </a:solidFill>
+              </a:rPr>
+              <a:t>A</a:t>
+            </a:r>
+            <a:r>
+              <a:rPr lang="en-US" baseline="-25000" dirty="0" smtClean="0">
+                <a:solidFill>
+                  <a:schemeClr val="accent1">
+                    <a:lumMod val="75000"/>
+                  </a:schemeClr>
+                </a:solidFill>
+              </a:rPr>
+              <a:t>21</a:t>
+            </a:r>
+            <a:endParaRPr lang="en-US" baseline="-25000" dirty="0">
+              <a:solidFill>
+                <a:schemeClr val="accent1">
+                  <a:lumMod val="75000"/>
+                </a:schemeClr>
+              </a:solidFill>
+            </a:endParaRPr>
+          </a:p>
+        </p:txBody>
+      </p:sp>
+      <p:sp>
+        <p:nvSpPr>
+          <p:cNvPr id="59" name="TextBox 58"/>
+          <p:cNvSpPr txBox="1"/>
+          <p:nvPr/>
+        </p:nvSpPr>
+        <p:spPr>
+          <a:xfrm>
+            <a:off x="2279822" y="5437314"/>
+            <a:ext cx="546945" cy="369332"/>
+          </a:xfrm>
+          <a:prstGeom prst="rect">
+            <a:avLst/>
+          </a:prstGeom>
+          <a:noFill/>
+        </p:spPr>
+        <p:txBody>
+          <a:bodyPr wrap="none" rtlCol="0">
+            <a:spAutoFit/>
+          </a:bodyPr>
+          <a:lstStyle/>
+          <a:p>
+            <a:r>
+              <a:rPr lang="en-US" dirty="0" smtClean="0">
+                <a:solidFill>
+                  <a:srgbClr val="008000"/>
+                </a:solidFill>
+              </a:rPr>
+              <a:t>W</a:t>
+            </a:r>
+            <a:r>
+              <a:rPr lang="en-US" baseline="-25000" dirty="0" smtClean="0">
+                <a:solidFill>
+                  <a:srgbClr val="008000"/>
+                </a:solidFill>
+              </a:rPr>
+              <a:t>12</a:t>
+            </a:r>
+            <a:endParaRPr lang="en-US" baseline="-25000" dirty="0">
+              <a:solidFill>
+                <a:srgbClr val="008000"/>
+              </a:solidFill>
+            </a:endParaRPr>
+          </a:p>
+        </p:txBody>
+      </p:sp>
     </p:spTree>
     <p:extLst>
       <p:ext uri="{BB962C8B-B14F-4D97-AF65-F5344CB8AC3E}">
-        <p14:creationId xmlns:p14="http://schemas.microsoft.com/office/powerpoint/2010/main" val="220909737"/>
+        <p14:creationId xmlns:p14="http://schemas.microsoft.com/office/powerpoint/2010/main" val="2562501856"/>
       </p:ext>
     </p:extLst>
   </p:cSld>
   <p:clrMapOvr>
     <a:masterClrMapping/>
   </p:clrMapOvr>
+  <p:timing>
+    <p:tnLst>
+      <p:par>
+        <p:cTn id="1" dur="indefinite" restart="never" nodeType="tmRoot"/>
+      </p:par>
+    </p:tnLst>
+  </p:timing>
 </p:sld>
 </file>
 
@@ -8429,6 +8229,1166 @@
           <a:chExt cx="0" cy="0"/>
         </a:xfrm>
       </p:grpSpPr>
+      <p:sp>
+        <p:nvSpPr>
+          <p:cNvPr id="2" name="TextBox 1"/>
+          <p:cNvSpPr txBox="1"/>
+          <p:nvPr/>
+        </p:nvSpPr>
+        <p:spPr>
+          <a:xfrm>
+            <a:off x="4267200" y="136610"/>
+            <a:ext cx="497252" cy="369332"/>
+          </a:xfrm>
+          <a:prstGeom prst="rect">
+            <a:avLst/>
+          </a:prstGeom>
+          <a:noFill/>
+        </p:spPr>
+        <p:txBody>
+          <a:bodyPr wrap="none" rtlCol="0">
+            <a:spAutoFit/>
+          </a:bodyPr>
+          <a:lstStyle/>
+          <a:p>
+            <a:r>
+              <a:rPr lang="en-US" dirty="0" smtClean="0"/>
+              <a:t>Ba</a:t>
+            </a:r>
+            <a:r>
+              <a:rPr lang="en-US" baseline="30000" dirty="0" smtClean="0"/>
+              <a:t>+</a:t>
+            </a:r>
+            <a:endParaRPr lang="en-US" baseline="30000" dirty="0"/>
+          </a:p>
+        </p:txBody>
+      </p:sp>
+      <p:cxnSp>
+        <p:nvCxnSpPr>
+          <p:cNvPr id="3" name="Straight Connector 2"/>
+          <p:cNvCxnSpPr/>
+          <p:nvPr/>
+        </p:nvCxnSpPr>
+        <p:spPr>
+          <a:xfrm>
+            <a:off x="152400" y="5441606"/>
+            <a:ext cx="3429000" cy="0"/>
+          </a:xfrm>
+          <a:prstGeom prst="line">
+            <a:avLst/>
+          </a:prstGeom>
+          <a:ln w="28575">
+            <a:solidFill>
+              <a:schemeClr val="tx1"/>
+            </a:solidFill>
+          </a:ln>
+        </p:spPr>
+        <p:style>
+          <a:lnRef idx="1">
+            <a:schemeClr val="accent1"/>
+          </a:lnRef>
+          <a:fillRef idx="0">
+            <a:schemeClr val="accent1"/>
+          </a:fillRef>
+          <a:effectRef idx="0">
+            <a:schemeClr val="accent1"/>
+          </a:effectRef>
+          <a:fontRef idx="minor">
+            <a:schemeClr val="tx1"/>
+          </a:fontRef>
+        </p:style>
+      </p:cxnSp>
+      <p:cxnSp>
+        <p:nvCxnSpPr>
+          <p:cNvPr id="8" name="Straight Connector 7"/>
+          <p:cNvCxnSpPr/>
+          <p:nvPr/>
+        </p:nvCxnSpPr>
+        <p:spPr>
+          <a:xfrm>
+            <a:off x="1692540" y="4439163"/>
+            <a:ext cx="1501346" cy="0"/>
+          </a:xfrm>
+          <a:prstGeom prst="line">
+            <a:avLst/>
+          </a:prstGeom>
+          <a:ln w="28575">
+            <a:solidFill>
+              <a:schemeClr val="tx1"/>
+            </a:solidFill>
+          </a:ln>
+        </p:spPr>
+        <p:style>
+          <a:lnRef idx="1">
+            <a:schemeClr val="accent1"/>
+          </a:lnRef>
+          <a:fillRef idx="0">
+            <a:schemeClr val="accent1"/>
+          </a:fillRef>
+          <a:effectRef idx="0">
+            <a:schemeClr val="accent1"/>
+          </a:effectRef>
+          <a:fontRef idx="minor">
+            <a:schemeClr val="tx1"/>
+          </a:fontRef>
+        </p:style>
+      </p:cxnSp>
+      <p:cxnSp>
+        <p:nvCxnSpPr>
+          <p:cNvPr id="10" name="Straight Connector 9"/>
+          <p:cNvCxnSpPr/>
+          <p:nvPr/>
+        </p:nvCxnSpPr>
+        <p:spPr>
+          <a:xfrm>
+            <a:off x="1692540" y="4591563"/>
+            <a:ext cx="1501346" cy="0"/>
+          </a:xfrm>
+          <a:prstGeom prst="line">
+            <a:avLst/>
+          </a:prstGeom>
+          <a:ln w="28575">
+            <a:solidFill>
+              <a:schemeClr val="tx1"/>
+            </a:solidFill>
+          </a:ln>
+        </p:spPr>
+        <p:style>
+          <a:lnRef idx="1">
+            <a:schemeClr val="accent1"/>
+          </a:lnRef>
+          <a:fillRef idx="0">
+            <a:schemeClr val="accent1"/>
+          </a:fillRef>
+          <a:effectRef idx="0">
+            <a:schemeClr val="accent1"/>
+          </a:effectRef>
+          <a:fontRef idx="minor">
+            <a:schemeClr val="tx1"/>
+          </a:fontRef>
+        </p:style>
+      </p:cxnSp>
+      <p:cxnSp>
+        <p:nvCxnSpPr>
+          <p:cNvPr id="22" name="Straight Connector 21"/>
+          <p:cNvCxnSpPr/>
+          <p:nvPr/>
+        </p:nvCxnSpPr>
+        <p:spPr>
+          <a:xfrm>
+            <a:off x="625740" y="2895600"/>
+            <a:ext cx="1981200" cy="0"/>
+          </a:xfrm>
+          <a:prstGeom prst="line">
+            <a:avLst/>
+          </a:prstGeom>
+          <a:ln w="28575">
+            <a:solidFill>
+              <a:schemeClr val="tx1"/>
+            </a:solidFill>
+          </a:ln>
+        </p:spPr>
+        <p:style>
+          <a:lnRef idx="1">
+            <a:schemeClr val="accent1"/>
+          </a:lnRef>
+          <a:fillRef idx="0">
+            <a:schemeClr val="accent1"/>
+          </a:fillRef>
+          <a:effectRef idx="0">
+            <a:schemeClr val="accent1"/>
+          </a:effectRef>
+          <a:fontRef idx="minor">
+            <a:schemeClr val="tx1"/>
+          </a:fontRef>
+        </p:style>
+      </p:cxnSp>
+      <p:cxnSp>
+        <p:nvCxnSpPr>
+          <p:cNvPr id="13" name="Straight Arrow Connector 12"/>
+          <p:cNvCxnSpPr/>
+          <p:nvPr/>
+        </p:nvCxnSpPr>
+        <p:spPr>
+          <a:xfrm>
+            <a:off x="1947037" y="2906154"/>
+            <a:ext cx="0" cy="1685409"/>
+          </a:xfrm>
+          <a:prstGeom prst="straightConnector1">
+            <a:avLst/>
+          </a:prstGeom>
+          <a:ln w="38100">
+            <a:solidFill>
+              <a:srgbClr val="C00000"/>
+            </a:solidFill>
+            <a:prstDash val="solid"/>
+            <a:headEnd type="none" w="med" len="med"/>
+            <a:tailEnd type="triangle" w="med" len="med"/>
+          </a:ln>
+        </p:spPr>
+        <p:style>
+          <a:lnRef idx="1">
+            <a:schemeClr val="accent1"/>
+          </a:lnRef>
+          <a:fillRef idx="0">
+            <a:schemeClr val="accent1"/>
+          </a:fillRef>
+          <a:effectRef idx="0">
+            <a:schemeClr val="accent1"/>
+          </a:effectRef>
+          <a:fontRef idx="minor">
+            <a:schemeClr val="tx1"/>
+          </a:fontRef>
+        </p:style>
+      </p:cxnSp>
+      <p:cxnSp>
+        <p:nvCxnSpPr>
+          <p:cNvPr id="18" name="Straight Arrow Connector 17"/>
+          <p:cNvCxnSpPr/>
+          <p:nvPr/>
+        </p:nvCxnSpPr>
+        <p:spPr>
+          <a:xfrm>
+            <a:off x="2251909" y="2743200"/>
+            <a:ext cx="0" cy="1695963"/>
+          </a:xfrm>
+          <a:prstGeom prst="straightConnector1">
+            <a:avLst/>
+          </a:prstGeom>
+          <a:ln w="38100">
+            <a:solidFill>
+              <a:srgbClr val="FF3300"/>
+            </a:solidFill>
+            <a:prstDash val="solid"/>
+            <a:headEnd type="none" w="med" len="med"/>
+            <a:tailEnd type="triangle" w="med" len="med"/>
+          </a:ln>
+        </p:spPr>
+        <p:style>
+          <a:lnRef idx="1">
+            <a:schemeClr val="accent1"/>
+          </a:lnRef>
+          <a:fillRef idx="0">
+            <a:schemeClr val="accent1"/>
+          </a:fillRef>
+          <a:effectRef idx="0">
+            <a:schemeClr val="accent1"/>
+          </a:effectRef>
+          <a:fontRef idx="minor">
+            <a:schemeClr val="tx1"/>
+          </a:fontRef>
+        </p:style>
+      </p:cxnSp>
+      <p:cxnSp>
+        <p:nvCxnSpPr>
+          <p:cNvPr id="20" name="Straight Arrow Connector 19"/>
+          <p:cNvCxnSpPr/>
+          <p:nvPr/>
+        </p:nvCxnSpPr>
+        <p:spPr>
+          <a:xfrm flipV="1">
+            <a:off x="1006740" y="2895601"/>
+            <a:ext cx="0" cy="2546005"/>
+          </a:xfrm>
+          <a:prstGeom prst="straightConnector1">
+            <a:avLst/>
+          </a:prstGeom>
+          <a:ln w="38100">
+            <a:solidFill>
+              <a:srgbClr val="0099CC"/>
+            </a:solidFill>
+            <a:headEnd type="triangle" w="med" len="med"/>
+            <a:tailEnd type="triangle" w="med" len="med"/>
+          </a:ln>
+        </p:spPr>
+        <p:style>
+          <a:lnRef idx="1">
+            <a:schemeClr val="accent1"/>
+          </a:lnRef>
+          <a:fillRef idx="0">
+            <a:schemeClr val="accent1"/>
+          </a:fillRef>
+          <a:effectRef idx="0">
+            <a:schemeClr val="accent1"/>
+          </a:effectRef>
+          <a:fontRef idx="minor">
+            <a:schemeClr val="tx1"/>
+          </a:fontRef>
+        </p:style>
+      </p:cxnSp>
+      <p:cxnSp>
+        <p:nvCxnSpPr>
+          <p:cNvPr id="30" name="Straight Arrow Connector 29"/>
+          <p:cNvCxnSpPr/>
+          <p:nvPr/>
+        </p:nvCxnSpPr>
+        <p:spPr>
+          <a:xfrm>
+            <a:off x="2400817" y="2743200"/>
+            <a:ext cx="0" cy="1848363"/>
+          </a:xfrm>
+          <a:prstGeom prst="straightConnector1">
+            <a:avLst/>
+          </a:prstGeom>
+          <a:ln w="38100">
+            <a:solidFill>
+              <a:srgbClr val="FF6600"/>
+            </a:solidFill>
+            <a:prstDash val="solid"/>
+            <a:headEnd type="none" w="med" len="med"/>
+            <a:tailEnd type="triangle" w="med" len="med"/>
+          </a:ln>
+        </p:spPr>
+        <p:style>
+          <a:lnRef idx="1">
+            <a:schemeClr val="accent1"/>
+          </a:lnRef>
+          <a:fillRef idx="0">
+            <a:schemeClr val="accent1"/>
+          </a:fillRef>
+          <a:effectRef idx="0">
+            <a:schemeClr val="accent1"/>
+          </a:effectRef>
+          <a:fontRef idx="minor">
+            <a:schemeClr val="tx1"/>
+          </a:fontRef>
+        </p:style>
+      </p:cxnSp>
+      <p:cxnSp>
+        <p:nvCxnSpPr>
+          <p:cNvPr id="7" name="Straight Connector 6"/>
+          <p:cNvCxnSpPr/>
+          <p:nvPr/>
+        </p:nvCxnSpPr>
+        <p:spPr>
+          <a:xfrm>
+            <a:off x="625740" y="2743200"/>
+            <a:ext cx="1981200" cy="0"/>
+          </a:xfrm>
+          <a:prstGeom prst="line">
+            <a:avLst/>
+          </a:prstGeom>
+          <a:ln w="28575">
+            <a:solidFill>
+              <a:schemeClr val="tx1"/>
+            </a:solidFill>
+          </a:ln>
+        </p:spPr>
+        <p:style>
+          <a:lnRef idx="1">
+            <a:schemeClr val="accent1"/>
+          </a:lnRef>
+          <a:fillRef idx="0">
+            <a:schemeClr val="accent1"/>
+          </a:fillRef>
+          <a:effectRef idx="0">
+            <a:schemeClr val="accent1"/>
+          </a:effectRef>
+          <a:fontRef idx="minor">
+            <a:schemeClr val="tx1"/>
+          </a:fontRef>
+        </p:style>
+      </p:cxnSp>
+      <p:cxnSp>
+        <p:nvCxnSpPr>
+          <p:cNvPr id="21" name="Straight Arrow Connector 20"/>
+          <p:cNvCxnSpPr/>
+          <p:nvPr/>
+        </p:nvCxnSpPr>
+        <p:spPr>
+          <a:xfrm flipV="1">
+            <a:off x="778140" y="2743200"/>
+            <a:ext cx="0" cy="2698406"/>
+          </a:xfrm>
+          <a:prstGeom prst="straightConnector1">
+            <a:avLst/>
+          </a:prstGeom>
+          <a:ln w="38100">
+            <a:solidFill>
+              <a:srgbClr val="0000FF"/>
+            </a:solidFill>
+            <a:headEnd type="triangle" w="med" len="med"/>
+            <a:tailEnd type="triangle" w="med" len="med"/>
+          </a:ln>
+        </p:spPr>
+        <p:style>
+          <a:lnRef idx="1">
+            <a:schemeClr val="accent1"/>
+          </a:lnRef>
+          <a:fillRef idx="0">
+            <a:schemeClr val="accent1"/>
+          </a:fillRef>
+          <a:effectRef idx="0">
+            <a:schemeClr val="accent1"/>
+          </a:effectRef>
+          <a:fontRef idx="minor">
+            <a:schemeClr val="tx1"/>
+          </a:fontRef>
+        </p:style>
+      </p:cxnSp>
+      <p:cxnSp>
+        <p:nvCxnSpPr>
+          <p:cNvPr id="40" name="Straight Connector 39"/>
+          <p:cNvCxnSpPr/>
+          <p:nvPr/>
+        </p:nvCxnSpPr>
+        <p:spPr>
+          <a:xfrm>
+            <a:off x="2819400" y="5029200"/>
+            <a:ext cx="3429000" cy="0"/>
+          </a:xfrm>
+          <a:prstGeom prst="line">
+            <a:avLst/>
+          </a:prstGeom>
+          <a:ln w="28575">
+            <a:solidFill>
+              <a:schemeClr val="tx1"/>
+            </a:solidFill>
+          </a:ln>
+        </p:spPr>
+        <p:style>
+          <a:lnRef idx="1">
+            <a:schemeClr val="accent1"/>
+          </a:lnRef>
+          <a:fillRef idx="0">
+            <a:schemeClr val="accent1"/>
+          </a:fillRef>
+          <a:effectRef idx="0">
+            <a:schemeClr val="accent1"/>
+          </a:effectRef>
+          <a:fontRef idx="minor">
+            <a:schemeClr val="tx1"/>
+          </a:fontRef>
+        </p:style>
+      </p:cxnSp>
+      <p:cxnSp>
+        <p:nvCxnSpPr>
+          <p:cNvPr id="41" name="Straight Connector 40"/>
+          <p:cNvCxnSpPr/>
+          <p:nvPr/>
+        </p:nvCxnSpPr>
+        <p:spPr>
+          <a:xfrm>
+            <a:off x="4359540" y="4026757"/>
+            <a:ext cx="1501346" cy="0"/>
+          </a:xfrm>
+          <a:prstGeom prst="line">
+            <a:avLst/>
+          </a:prstGeom>
+          <a:ln w="28575">
+            <a:solidFill>
+              <a:schemeClr val="tx1"/>
+            </a:solidFill>
+          </a:ln>
+        </p:spPr>
+        <p:style>
+          <a:lnRef idx="1">
+            <a:schemeClr val="accent1"/>
+          </a:lnRef>
+          <a:fillRef idx="0">
+            <a:schemeClr val="accent1"/>
+          </a:fillRef>
+          <a:effectRef idx="0">
+            <a:schemeClr val="accent1"/>
+          </a:effectRef>
+          <a:fontRef idx="minor">
+            <a:schemeClr val="tx1"/>
+          </a:fontRef>
+        </p:style>
+      </p:cxnSp>
+      <p:cxnSp>
+        <p:nvCxnSpPr>
+          <p:cNvPr id="42" name="Straight Connector 41"/>
+          <p:cNvCxnSpPr/>
+          <p:nvPr/>
+        </p:nvCxnSpPr>
+        <p:spPr>
+          <a:xfrm>
+            <a:off x="4359540" y="4179157"/>
+            <a:ext cx="1501346" cy="0"/>
+          </a:xfrm>
+          <a:prstGeom prst="line">
+            <a:avLst/>
+          </a:prstGeom>
+          <a:ln w="28575">
+            <a:solidFill>
+              <a:schemeClr val="tx1"/>
+            </a:solidFill>
+          </a:ln>
+        </p:spPr>
+        <p:style>
+          <a:lnRef idx="1">
+            <a:schemeClr val="accent1"/>
+          </a:lnRef>
+          <a:fillRef idx="0">
+            <a:schemeClr val="accent1"/>
+          </a:fillRef>
+          <a:effectRef idx="0">
+            <a:schemeClr val="accent1"/>
+          </a:effectRef>
+          <a:fontRef idx="minor">
+            <a:schemeClr val="tx1"/>
+          </a:fontRef>
+        </p:style>
+      </p:cxnSp>
+      <p:cxnSp>
+        <p:nvCxnSpPr>
+          <p:cNvPr id="43" name="Straight Connector 42"/>
+          <p:cNvCxnSpPr/>
+          <p:nvPr/>
+        </p:nvCxnSpPr>
+        <p:spPr>
+          <a:xfrm>
+            <a:off x="3292740" y="2483194"/>
+            <a:ext cx="1981200" cy="0"/>
+          </a:xfrm>
+          <a:prstGeom prst="line">
+            <a:avLst/>
+          </a:prstGeom>
+          <a:ln w="28575">
+            <a:solidFill>
+              <a:schemeClr val="tx1"/>
+            </a:solidFill>
+          </a:ln>
+        </p:spPr>
+        <p:style>
+          <a:lnRef idx="1">
+            <a:schemeClr val="accent1"/>
+          </a:lnRef>
+          <a:fillRef idx="0">
+            <a:schemeClr val="accent1"/>
+          </a:fillRef>
+          <a:effectRef idx="0">
+            <a:schemeClr val="accent1"/>
+          </a:effectRef>
+          <a:fontRef idx="minor">
+            <a:schemeClr val="tx1"/>
+          </a:fontRef>
+        </p:style>
+      </p:cxnSp>
+      <p:cxnSp>
+        <p:nvCxnSpPr>
+          <p:cNvPr id="44" name="Straight Arrow Connector 43"/>
+          <p:cNvCxnSpPr/>
+          <p:nvPr/>
+        </p:nvCxnSpPr>
+        <p:spPr>
+          <a:xfrm>
+            <a:off x="4614037" y="2493748"/>
+            <a:ext cx="0" cy="1685409"/>
+          </a:xfrm>
+          <a:prstGeom prst="straightConnector1">
+            <a:avLst/>
+          </a:prstGeom>
+          <a:ln w="38100">
+            <a:solidFill>
+              <a:srgbClr val="C00000"/>
+            </a:solidFill>
+            <a:prstDash val="sysDash"/>
+            <a:headEnd type="none" w="med" len="med"/>
+            <a:tailEnd type="triangle" w="med" len="med"/>
+          </a:ln>
+        </p:spPr>
+        <p:style>
+          <a:lnRef idx="1">
+            <a:schemeClr val="accent1"/>
+          </a:lnRef>
+          <a:fillRef idx="0">
+            <a:schemeClr val="accent1"/>
+          </a:fillRef>
+          <a:effectRef idx="0">
+            <a:schemeClr val="accent1"/>
+          </a:effectRef>
+          <a:fontRef idx="minor">
+            <a:schemeClr val="tx1"/>
+          </a:fontRef>
+        </p:style>
+      </p:cxnSp>
+      <p:cxnSp>
+        <p:nvCxnSpPr>
+          <p:cNvPr id="45" name="Straight Arrow Connector 44"/>
+          <p:cNvCxnSpPr/>
+          <p:nvPr/>
+        </p:nvCxnSpPr>
+        <p:spPr>
+          <a:xfrm>
+            <a:off x="4918909" y="2330794"/>
+            <a:ext cx="0" cy="1695963"/>
+          </a:xfrm>
+          <a:prstGeom prst="straightConnector1">
+            <a:avLst/>
+          </a:prstGeom>
+          <a:ln w="38100">
+            <a:solidFill>
+              <a:srgbClr val="FF3300"/>
+            </a:solidFill>
+            <a:prstDash val="sysDash"/>
+            <a:headEnd type="none" w="med" len="med"/>
+            <a:tailEnd type="triangle" w="med" len="med"/>
+          </a:ln>
+        </p:spPr>
+        <p:style>
+          <a:lnRef idx="1">
+            <a:schemeClr val="accent1"/>
+          </a:lnRef>
+          <a:fillRef idx="0">
+            <a:schemeClr val="accent1"/>
+          </a:fillRef>
+          <a:effectRef idx="0">
+            <a:schemeClr val="accent1"/>
+          </a:effectRef>
+          <a:fontRef idx="minor">
+            <a:schemeClr val="tx1"/>
+          </a:fontRef>
+        </p:style>
+      </p:cxnSp>
+      <p:cxnSp>
+        <p:nvCxnSpPr>
+          <p:cNvPr id="46" name="Straight Arrow Connector 45"/>
+          <p:cNvCxnSpPr/>
+          <p:nvPr/>
+        </p:nvCxnSpPr>
+        <p:spPr>
+          <a:xfrm flipV="1">
+            <a:off x="3673740" y="2483195"/>
+            <a:ext cx="0" cy="2546005"/>
+          </a:xfrm>
+          <a:prstGeom prst="straightConnector1">
+            <a:avLst/>
+          </a:prstGeom>
+          <a:ln w="38100">
+            <a:solidFill>
+              <a:srgbClr val="0099CC"/>
+            </a:solidFill>
+            <a:headEnd type="triangle" w="med" len="med"/>
+            <a:tailEnd type="triangle" w="med" len="med"/>
+          </a:ln>
+        </p:spPr>
+        <p:style>
+          <a:lnRef idx="1">
+            <a:schemeClr val="accent1"/>
+          </a:lnRef>
+          <a:fillRef idx="0">
+            <a:schemeClr val="accent1"/>
+          </a:fillRef>
+          <a:effectRef idx="0">
+            <a:schemeClr val="accent1"/>
+          </a:effectRef>
+          <a:fontRef idx="minor">
+            <a:schemeClr val="tx1"/>
+          </a:fontRef>
+        </p:style>
+      </p:cxnSp>
+      <p:cxnSp>
+        <p:nvCxnSpPr>
+          <p:cNvPr id="47" name="Straight Arrow Connector 46"/>
+          <p:cNvCxnSpPr/>
+          <p:nvPr/>
+        </p:nvCxnSpPr>
+        <p:spPr>
+          <a:xfrm>
+            <a:off x="5067817" y="2330794"/>
+            <a:ext cx="0" cy="1848363"/>
+          </a:xfrm>
+          <a:prstGeom prst="straightConnector1">
+            <a:avLst/>
+          </a:prstGeom>
+          <a:ln w="38100">
+            <a:solidFill>
+              <a:srgbClr val="FF6600"/>
+            </a:solidFill>
+            <a:prstDash val="sysDash"/>
+            <a:headEnd type="none" w="med" len="med"/>
+            <a:tailEnd type="triangle" w="med" len="med"/>
+          </a:ln>
+        </p:spPr>
+        <p:style>
+          <a:lnRef idx="1">
+            <a:schemeClr val="accent1"/>
+          </a:lnRef>
+          <a:fillRef idx="0">
+            <a:schemeClr val="accent1"/>
+          </a:fillRef>
+          <a:effectRef idx="0">
+            <a:schemeClr val="accent1"/>
+          </a:effectRef>
+          <a:fontRef idx="minor">
+            <a:schemeClr val="tx1"/>
+          </a:fontRef>
+        </p:style>
+      </p:cxnSp>
+      <p:cxnSp>
+        <p:nvCxnSpPr>
+          <p:cNvPr id="48" name="Straight Connector 47"/>
+          <p:cNvCxnSpPr/>
+          <p:nvPr/>
+        </p:nvCxnSpPr>
+        <p:spPr>
+          <a:xfrm>
+            <a:off x="3292740" y="2330794"/>
+            <a:ext cx="1981200" cy="0"/>
+          </a:xfrm>
+          <a:prstGeom prst="line">
+            <a:avLst/>
+          </a:prstGeom>
+          <a:ln w="28575">
+            <a:solidFill>
+              <a:schemeClr val="tx1"/>
+            </a:solidFill>
+          </a:ln>
+        </p:spPr>
+        <p:style>
+          <a:lnRef idx="1">
+            <a:schemeClr val="accent1"/>
+          </a:lnRef>
+          <a:fillRef idx="0">
+            <a:schemeClr val="accent1"/>
+          </a:fillRef>
+          <a:effectRef idx="0">
+            <a:schemeClr val="accent1"/>
+          </a:effectRef>
+          <a:fontRef idx="minor">
+            <a:schemeClr val="tx1"/>
+          </a:fontRef>
+        </p:style>
+      </p:cxnSp>
+      <p:cxnSp>
+        <p:nvCxnSpPr>
+          <p:cNvPr id="49" name="Straight Arrow Connector 48"/>
+          <p:cNvCxnSpPr/>
+          <p:nvPr/>
+        </p:nvCxnSpPr>
+        <p:spPr>
+          <a:xfrm flipV="1">
+            <a:off x="3445140" y="2330794"/>
+            <a:ext cx="0" cy="2698406"/>
+          </a:xfrm>
+          <a:prstGeom prst="straightConnector1">
+            <a:avLst/>
+          </a:prstGeom>
+          <a:ln w="38100">
+            <a:solidFill>
+              <a:srgbClr val="0000FF"/>
+            </a:solidFill>
+            <a:headEnd type="triangle" w="med" len="med"/>
+            <a:tailEnd type="triangle" w="med" len="med"/>
+          </a:ln>
+        </p:spPr>
+        <p:style>
+          <a:lnRef idx="1">
+            <a:schemeClr val="accent1"/>
+          </a:lnRef>
+          <a:fillRef idx="0">
+            <a:schemeClr val="accent1"/>
+          </a:fillRef>
+          <a:effectRef idx="0">
+            <a:schemeClr val="accent1"/>
+          </a:effectRef>
+          <a:fontRef idx="minor">
+            <a:schemeClr val="tx1"/>
+          </a:fontRef>
+        </p:style>
+      </p:cxnSp>
+      <p:cxnSp>
+        <p:nvCxnSpPr>
+          <p:cNvPr id="50" name="Straight Connector 49"/>
+          <p:cNvCxnSpPr/>
+          <p:nvPr/>
+        </p:nvCxnSpPr>
+        <p:spPr>
+          <a:xfrm>
+            <a:off x="5616146" y="4679606"/>
+            <a:ext cx="3429000" cy="0"/>
+          </a:xfrm>
+          <a:prstGeom prst="line">
+            <a:avLst/>
+          </a:prstGeom>
+          <a:ln w="28575">
+            <a:solidFill>
+              <a:schemeClr val="tx1"/>
+            </a:solidFill>
+          </a:ln>
+        </p:spPr>
+        <p:style>
+          <a:lnRef idx="1">
+            <a:schemeClr val="accent1"/>
+          </a:lnRef>
+          <a:fillRef idx="0">
+            <a:schemeClr val="accent1"/>
+          </a:fillRef>
+          <a:effectRef idx="0">
+            <a:schemeClr val="accent1"/>
+          </a:effectRef>
+          <a:fontRef idx="minor">
+            <a:schemeClr val="tx1"/>
+          </a:fontRef>
+        </p:style>
+      </p:cxnSp>
+      <p:cxnSp>
+        <p:nvCxnSpPr>
+          <p:cNvPr id="51" name="Straight Connector 50"/>
+          <p:cNvCxnSpPr/>
+          <p:nvPr/>
+        </p:nvCxnSpPr>
+        <p:spPr>
+          <a:xfrm>
+            <a:off x="7156286" y="3677163"/>
+            <a:ext cx="1501346" cy="0"/>
+          </a:xfrm>
+          <a:prstGeom prst="line">
+            <a:avLst/>
+          </a:prstGeom>
+          <a:ln w="28575">
+            <a:solidFill>
+              <a:schemeClr val="tx1"/>
+            </a:solidFill>
+          </a:ln>
+        </p:spPr>
+        <p:style>
+          <a:lnRef idx="1">
+            <a:schemeClr val="accent1"/>
+          </a:lnRef>
+          <a:fillRef idx="0">
+            <a:schemeClr val="accent1"/>
+          </a:fillRef>
+          <a:effectRef idx="0">
+            <a:schemeClr val="accent1"/>
+          </a:effectRef>
+          <a:fontRef idx="minor">
+            <a:schemeClr val="tx1"/>
+          </a:fontRef>
+        </p:style>
+      </p:cxnSp>
+      <p:cxnSp>
+        <p:nvCxnSpPr>
+          <p:cNvPr id="52" name="Straight Connector 51"/>
+          <p:cNvCxnSpPr/>
+          <p:nvPr/>
+        </p:nvCxnSpPr>
+        <p:spPr>
+          <a:xfrm>
+            <a:off x="7156286" y="3829563"/>
+            <a:ext cx="1501346" cy="0"/>
+          </a:xfrm>
+          <a:prstGeom prst="line">
+            <a:avLst/>
+          </a:prstGeom>
+          <a:ln w="28575">
+            <a:solidFill>
+              <a:schemeClr val="tx1"/>
+            </a:solidFill>
+          </a:ln>
+        </p:spPr>
+        <p:style>
+          <a:lnRef idx="1">
+            <a:schemeClr val="accent1"/>
+          </a:lnRef>
+          <a:fillRef idx="0">
+            <a:schemeClr val="accent1"/>
+          </a:fillRef>
+          <a:effectRef idx="0">
+            <a:schemeClr val="accent1"/>
+          </a:effectRef>
+          <a:fontRef idx="minor">
+            <a:schemeClr val="tx1"/>
+          </a:fontRef>
+        </p:style>
+      </p:cxnSp>
+      <p:cxnSp>
+        <p:nvCxnSpPr>
+          <p:cNvPr id="53" name="Straight Connector 52"/>
+          <p:cNvCxnSpPr/>
+          <p:nvPr/>
+        </p:nvCxnSpPr>
+        <p:spPr>
+          <a:xfrm>
+            <a:off x="6089486" y="2133600"/>
+            <a:ext cx="1981200" cy="0"/>
+          </a:xfrm>
+          <a:prstGeom prst="line">
+            <a:avLst/>
+          </a:prstGeom>
+          <a:ln w="28575">
+            <a:solidFill>
+              <a:schemeClr val="tx1"/>
+            </a:solidFill>
+          </a:ln>
+        </p:spPr>
+        <p:style>
+          <a:lnRef idx="1">
+            <a:schemeClr val="accent1"/>
+          </a:lnRef>
+          <a:fillRef idx="0">
+            <a:schemeClr val="accent1"/>
+          </a:fillRef>
+          <a:effectRef idx="0">
+            <a:schemeClr val="accent1"/>
+          </a:effectRef>
+          <a:fontRef idx="minor">
+            <a:schemeClr val="tx1"/>
+          </a:fontRef>
+        </p:style>
+      </p:cxnSp>
+      <p:cxnSp>
+        <p:nvCxnSpPr>
+          <p:cNvPr id="54" name="Straight Arrow Connector 53"/>
+          <p:cNvCxnSpPr/>
+          <p:nvPr/>
+        </p:nvCxnSpPr>
+        <p:spPr>
+          <a:xfrm>
+            <a:off x="7410783" y="2144154"/>
+            <a:ext cx="0" cy="1685409"/>
+          </a:xfrm>
+          <a:prstGeom prst="straightConnector1">
+            <a:avLst/>
+          </a:prstGeom>
+          <a:ln w="38100">
+            <a:solidFill>
+              <a:srgbClr val="C00000"/>
+            </a:solidFill>
+            <a:prstDash val="sysDash"/>
+            <a:headEnd type="none" w="med" len="med"/>
+            <a:tailEnd type="triangle" w="med" len="med"/>
+          </a:ln>
+        </p:spPr>
+        <p:style>
+          <a:lnRef idx="1">
+            <a:schemeClr val="accent1"/>
+          </a:lnRef>
+          <a:fillRef idx="0">
+            <a:schemeClr val="accent1"/>
+          </a:fillRef>
+          <a:effectRef idx="0">
+            <a:schemeClr val="accent1"/>
+          </a:effectRef>
+          <a:fontRef idx="minor">
+            <a:schemeClr val="tx1"/>
+          </a:fontRef>
+        </p:style>
+      </p:cxnSp>
+      <p:cxnSp>
+        <p:nvCxnSpPr>
+          <p:cNvPr id="55" name="Straight Arrow Connector 54"/>
+          <p:cNvCxnSpPr/>
+          <p:nvPr/>
+        </p:nvCxnSpPr>
+        <p:spPr>
+          <a:xfrm>
+            <a:off x="7924800" y="1981200"/>
+            <a:ext cx="0" cy="1695963"/>
+          </a:xfrm>
+          <a:prstGeom prst="straightConnector1">
+            <a:avLst/>
+          </a:prstGeom>
+          <a:ln w="38100">
+            <a:solidFill>
+              <a:srgbClr val="FF3300"/>
+            </a:solidFill>
+            <a:prstDash val="sysDash"/>
+            <a:headEnd type="none" w="med" len="med"/>
+            <a:tailEnd type="triangle" w="med" len="med"/>
+          </a:ln>
+        </p:spPr>
+        <p:style>
+          <a:lnRef idx="1">
+            <a:schemeClr val="accent1"/>
+          </a:lnRef>
+          <a:fillRef idx="0">
+            <a:schemeClr val="accent1"/>
+          </a:fillRef>
+          <a:effectRef idx="0">
+            <a:schemeClr val="accent1"/>
+          </a:effectRef>
+          <a:fontRef idx="minor">
+            <a:schemeClr val="tx1"/>
+          </a:fontRef>
+        </p:style>
+      </p:cxnSp>
+      <p:cxnSp>
+        <p:nvCxnSpPr>
+          <p:cNvPr id="56" name="Straight Arrow Connector 55"/>
+          <p:cNvCxnSpPr/>
+          <p:nvPr/>
+        </p:nvCxnSpPr>
+        <p:spPr>
+          <a:xfrm flipV="1">
+            <a:off x="6470486" y="2133601"/>
+            <a:ext cx="0" cy="2546005"/>
+          </a:xfrm>
+          <a:prstGeom prst="straightConnector1">
+            <a:avLst/>
+          </a:prstGeom>
+          <a:ln w="38100">
+            <a:solidFill>
+              <a:srgbClr val="0099CC"/>
+            </a:solidFill>
+            <a:headEnd type="triangle" w="med" len="med"/>
+            <a:tailEnd type="triangle" w="med" len="med"/>
+          </a:ln>
+        </p:spPr>
+        <p:style>
+          <a:lnRef idx="1">
+            <a:schemeClr val="accent1"/>
+          </a:lnRef>
+          <a:fillRef idx="0">
+            <a:schemeClr val="accent1"/>
+          </a:fillRef>
+          <a:effectRef idx="0">
+            <a:schemeClr val="accent1"/>
+          </a:effectRef>
+          <a:fontRef idx="minor">
+            <a:schemeClr val="tx1"/>
+          </a:fontRef>
+        </p:style>
+      </p:cxnSp>
+      <p:cxnSp>
+        <p:nvCxnSpPr>
+          <p:cNvPr id="57" name="Straight Arrow Connector 56"/>
+          <p:cNvCxnSpPr/>
+          <p:nvPr/>
+        </p:nvCxnSpPr>
+        <p:spPr>
+          <a:xfrm>
+            <a:off x="7772400" y="1981200"/>
+            <a:ext cx="0" cy="1848363"/>
+          </a:xfrm>
+          <a:prstGeom prst="straightConnector1">
+            <a:avLst/>
+          </a:prstGeom>
+          <a:ln w="38100">
+            <a:solidFill>
+              <a:srgbClr val="FF6600"/>
+            </a:solidFill>
+            <a:prstDash val="sysDash"/>
+            <a:headEnd type="none" w="med" len="med"/>
+            <a:tailEnd type="triangle" w="med" len="med"/>
+          </a:ln>
+        </p:spPr>
+        <p:style>
+          <a:lnRef idx="1">
+            <a:schemeClr val="accent1"/>
+          </a:lnRef>
+          <a:fillRef idx="0">
+            <a:schemeClr val="accent1"/>
+          </a:fillRef>
+          <a:effectRef idx="0">
+            <a:schemeClr val="accent1"/>
+          </a:effectRef>
+          <a:fontRef idx="minor">
+            <a:schemeClr val="tx1"/>
+          </a:fontRef>
+        </p:style>
+      </p:cxnSp>
+      <p:cxnSp>
+        <p:nvCxnSpPr>
+          <p:cNvPr id="58" name="Straight Connector 57"/>
+          <p:cNvCxnSpPr/>
+          <p:nvPr/>
+        </p:nvCxnSpPr>
+        <p:spPr>
+          <a:xfrm>
+            <a:off x="6089486" y="1981200"/>
+            <a:ext cx="1981200" cy="0"/>
+          </a:xfrm>
+          <a:prstGeom prst="line">
+            <a:avLst/>
+          </a:prstGeom>
+          <a:ln w="28575">
+            <a:solidFill>
+              <a:schemeClr val="tx1"/>
+            </a:solidFill>
+          </a:ln>
+        </p:spPr>
+        <p:style>
+          <a:lnRef idx="1">
+            <a:schemeClr val="accent1"/>
+          </a:lnRef>
+          <a:fillRef idx="0">
+            <a:schemeClr val="accent1"/>
+          </a:fillRef>
+          <a:effectRef idx="0">
+            <a:schemeClr val="accent1"/>
+          </a:effectRef>
+          <a:fontRef idx="minor">
+            <a:schemeClr val="tx1"/>
+          </a:fontRef>
+        </p:style>
+      </p:cxnSp>
+      <p:cxnSp>
+        <p:nvCxnSpPr>
+          <p:cNvPr id="59" name="Straight Arrow Connector 58"/>
+          <p:cNvCxnSpPr/>
+          <p:nvPr/>
+        </p:nvCxnSpPr>
+        <p:spPr>
+          <a:xfrm flipV="1">
+            <a:off x="6241886" y="1981200"/>
+            <a:ext cx="0" cy="2698406"/>
+          </a:xfrm>
+          <a:prstGeom prst="straightConnector1">
+            <a:avLst/>
+          </a:prstGeom>
+          <a:ln w="38100">
+            <a:solidFill>
+              <a:srgbClr val="0000FF"/>
+            </a:solidFill>
+            <a:headEnd type="triangle" w="med" len="med"/>
+            <a:tailEnd type="triangle" w="med" len="med"/>
+          </a:ln>
+        </p:spPr>
+        <p:style>
+          <a:lnRef idx="1">
+            <a:schemeClr val="accent1"/>
+          </a:lnRef>
+          <a:fillRef idx="0">
+            <a:schemeClr val="accent1"/>
+          </a:fillRef>
+          <a:effectRef idx="0">
+            <a:schemeClr val="accent1"/>
+          </a:effectRef>
+          <a:fontRef idx="minor">
+            <a:schemeClr val="tx1"/>
+          </a:fontRef>
+        </p:style>
+      </p:cxnSp>
+    </p:spTree>
+    <p:extLst>
+      <p:ext uri="{BB962C8B-B14F-4D97-AF65-F5344CB8AC3E}">
+        <p14:creationId xmlns:p14="http://schemas.microsoft.com/office/powerpoint/2010/main" val="220909737"/>
+      </p:ext>
+    </p:extLst>
+  </p:cSld>
+  <p:clrMapOvr>
+    <a:masterClrMapping/>
+  </p:clrMapOvr>
+  <p:timing>
+    <p:tnLst>
+      <p:par>
+        <p:cTn id="1" dur="indefinite" restart="never" nodeType="tmRoot"/>
+      </p:par>
+    </p:tnLst>
+  </p:timing>
+</p:sld>
+</file>
+
+<file path=ppt/slides/slide6.xml><?xml version="1.0" encoding="utf-8"?>
+<p:sld xmlns:a="http://schemas.openxmlformats.org/drawingml/2006/main" xmlns:r="http://schemas.openxmlformats.org/officeDocument/2006/relationships" xmlns:p="http://schemas.openxmlformats.org/presentationml/2006/main">
+  <p:cSld>
+    <p:spTree>
+      <p:nvGrpSpPr>
+        <p:cNvPr id="1" name=""/>
+        <p:cNvGrpSpPr/>
+        <p:nvPr/>
+      </p:nvGrpSpPr>
+      <p:grpSpPr>
+        <a:xfrm>
+          <a:off x="0" y="0"/>
+          <a:ext cx="0" cy="0"/>
+          <a:chOff x="0" y="0"/>
+          <a:chExt cx="0" cy="0"/>
+        </a:xfrm>
+      </p:grpSpPr>
       <p:cxnSp>
         <p:nvCxnSpPr>
           <p:cNvPr id="2" name="Straight Connector 1"/>
@@ -9220,6 +10180,13 @@
   <p:clrMapOvr>
     <a:masterClrMapping/>
   </p:clrMapOvr>
+  <p:timing>
+    <p:tnLst>
+      <p:par>
+        <p:cTn id="1" dur="indefinite" restart="never" nodeType="tmRoot"/>
+      </p:par>
+    </p:tnLst>
+  </p:timing>
 </p:sld>
 </file>
 
